--- a/Slides/Class20.pptx
+++ b/Slides/Class20.pptx
@@ -5,19 +5,17 @@
     <p:sldMasterId id="2147483648" r:id="rId1"/>
   </p:sldMasterIdLst>
   <p:notesMasterIdLst>
-    <p:notesMasterId r:id="rId9"/>
+    <p:notesMasterId r:id="rId7"/>
   </p:notesMasterIdLst>
   <p:handoutMasterIdLst>
-    <p:handoutMasterId r:id="rId10"/>
+    <p:handoutMasterId r:id="rId8"/>
   </p:handoutMasterIdLst>
   <p:sldIdLst>
     <p:sldId id="258" r:id="rId2"/>
     <p:sldId id="410" r:id="rId3"/>
-    <p:sldId id="411" r:id="rId4"/>
-    <p:sldId id="412" r:id="rId5"/>
-    <p:sldId id="413" r:id="rId6"/>
-    <p:sldId id="414" r:id="rId7"/>
-    <p:sldId id="376" r:id="rId8"/>
+    <p:sldId id="376" r:id="rId4"/>
+    <p:sldId id="411" r:id="rId5"/>
+    <p:sldId id="408" r:id="rId6"/>
   </p:sldIdLst>
   <p:sldSz cx="9144000" cy="6858000" type="screen4x3"/>
   <p:notesSz cx="6858000" cy="9144000"/>
@@ -231,7 +229,7 @@
           <a:p>
             <a:fld id="{C24322AF-E05B-7249-906C-FBAC6154C037}" type="datetimeFigureOut">
               <a:rPr lang="en-US" smtClean="0"/>
-              <a:t>12/11/18</a:t>
+              <a:t>1/24/21</a:t>
             </a:fld>
             <a:endParaRPr lang="en-US"/>
           </a:p>
@@ -397,7 +395,7 @@
             <a:fld id="{06A43BE5-3BD4-F642-8751-88A31D8D6D13}" type="datetimeFigureOut">
               <a:rPr lang="en-US" smtClean="0"/>
               <a:pPr/>
-              <a:t>12/11/18</a:t>
+              <a:t>1/24/21</a:t>
             </a:fld>
             <a:endParaRPr lang="en-US"/>
           </a:p>
@@ -940,7 +938,7 @@
             <a:fld id="{A4FA2B0E-4818-9849-9CF1-1031FD4E1DAB}" type="datetimeFigureOut">
               <a:rPr lang="en-US" smtClean="0"/>
               <a:pPr/>
-              <a:t>12/11/18</a:t>
+              <a:t>1/24/21</a:t>
             </a:fld>
             <a:endParaRPr lang="en-US"/>
           </a:p>
@@ -1105,7 +1103,7 @@
             <a:fld id="{A4FA2B0E-4818-9849-9CF1-1031FD4E1DAB}" type="datetimeFigureOut">
               <a:rPr lang="en-US" smtClean="0"/>
               <a:pPr/>
-              <a:t>12/11/18</a:t>
+              <a:t>1/24/21</a:t>
             </a:fld>
             <a:endParaRPr lang="en-US"/>
           </a:p>
@@ -1280,7 +1278,7 @@
             <a:fld id="{A4FA2B0E-4818-9849-9CF1-1031FD4E1DAB}" type="datetimeFigureOut">
               <a:rPr lang="en-US" smtClean="0"/>
               <a:pPr/>
-              <a:t>12/11/18</a:t>
+              <a:t>1/24/21</a:t>
             </a:fld>
             <a:endParaRPr lang="en-US"/>
           </a:p>
@@ -1445,7 +1443,7 @@
             <a:fld id="{A4FA2B0E-4818-9849-9CF1-1031FD4E1DAB}" type="datetimeFigureOut">
               <a:rPr lang="en-US" smtClean="0"/>
               <a:pPr/>
-              <a:t>12/11/18</a:t>
+              <a:t>1/24/21</a:t>
             </a:fld>
             <a:endParaRPr lang="en-US"/>
           </a:p>
@@ -1687,7 +1685,7 @@
             <a:fld id="{A4FA2B0E-4818-9849-9CF1-1031FD4E1DAB}" type="datetimeFigureOut">
               <a:rPr lang="en-US" smtClean="0"/>
               <a:pPr/>
-              <a:t>12/11/18</a:t>
+              <a:t>1/24/21</a:t>
             </a:fld>
             <a:endParaRPr lang="en-US"/>
           </a:p>
@@ -1969,7 +1967,7 @@
             <a:fld id="{A4FA2B0E-4818-9849-9CF1-1031FD4E1DAB}" type="datetimeFigureOut">
               <a:rPr lang="en-US" smtClean="0"/>
               <a:pPr/>
-              <a:t>12/11/18</a:t>
+              <a:t>1/24/21</a:t>
             </a:fld>
             <a:endParaRPr lang="en-US"/>
           </a:p>
@@ -2385,7 +2383,7 @@
             <a:fld id="{A4FA2B0E-4818-9849-9CF1-1031FD4E1DAB}" type="datetimeFigureOut">
               <a:rPr lang="en-US" smtClean="0"/>
               <a:pPr/>
-              <a:t>12/11/18</a:t>
+              <a:t>1/24/21</a:t>
             </a:fld>
             <a:endParaRPr lang="en-US"/>
           </a:p>
@@ -2499,7 +2497,7 @@
             <a:fld id="{A4FA2B0E-4818-9849-9CF1-1031FD4E1DAB}" type="datetimeFigureOut">
               <a:rPr lang="en-US" smtClean="0"/>
               <a:pPr/>
-              <a:t>12/11/18</a:t>
+              <a:t>1/24/21</a:t>
             </a:fld>
             <a:endParaRPr lang="en-US"/>
           </a:p>
@@ -2591,7 +2589,7 @@
             <a:fld id="{A4FA2B0E-4818-9849-9CF1-1031FD4E1DAB}" type="datetimeFigureOut">
               <a:rPr lang="en-US" smtClean="0"/>
               <a:pPr/>
-              <a:t>12/11/18</a:t>
+              <a:t>1/24/21</a:t>
             </a:fld>
             <a:endParaRPr lang="en-US"/>
           </a:p>
@@ -2863,7 +2861,7 @@
             <a:fld id="{A4FA2B0E-4818-9849-9CF1-1031FD4E1DAB}" type="datetimeFigureOut">
               <a:rPr lang="en-US" smtClean="0"/>
               <a:pPr/>
-              <a:t>12/11/18</a:t>
+              <a:t>1/24/21</a:t>
             </a:fld>
             <a:endParaRPr lang="en-US"/>
           </a:p>
@@ -3112,7 +3110,7 @@
             <a:fld id="{A4FA2B0E-4818-9849-9CF1-1031FD4E1DAB}" type="datetimeFigureOut">
               <a:rPr lang="en-US" smtClean="0"/>
               <a:pPr/>
-              <a:t>12/11/18</a:t>
+              <a:t>1/24/21</a:t>
             </a:fld>
             <a:endParaRPr lang="en-US"/>
           </a:p>
@@ -3320,7 +3318,7 @@
             <a:fld id="{A4FA2B0E-4818-9849-9CF1-1031FD4E1DAB}" type="datetimeFigureOut">
               <a:rPr lang="en-US" smtClean="0"/>
               <a:pPr/>
-              <a:t>12/11/18</a:t>
+              <a:t>1/24/21</a:t>
             </a:fld>
             <a:endParaRPr lang="en-US"/>
           </a:p>
@@ -3790,7 +3788,7 @@
                 <a:latin typeface="Times New Roman"/>
                 <a:cs typeface="Times New Roman"/>
               </a:rPr>
-              <a:t>Intro to Proposal Writing</a:t>
+              <a:t>Proposal Abstract Writing</a:t>
             </a:r>
           </a:p>
         </p:txBody>
@@ -3834,7 +3832,7 @@
         <p:spPr>
           <a:xfrm>
             <a:off x="275549" y="191702"/>
-            <a:ext cx="5741765" cy="553998"/>
+            <a:ext cx="3837012" cy="553998"/>
           </a:xfrm>
           <a:prstGeom prst="rect">
             <a:avLst/>
@@ -3855,37 +3853,7 @@
                 <a:latin typeface="Times New Roman"/>
                 <a:cs typeface="Times New Roman"/>
               </a:rPr>
-              <a:t>Why Peer Review?  </a:t>
-            </a:r>
-            <a:r>
-              <a:rPr lang="en-US" sz="2400" dirty="0">
-                <a:solidFill>
-                  <a:prstClr val="black"/>
-                </a:solidFill>
-                <a:latin typeface="Times New Roman"/>
-                <a:cs typeface="Times New Roman"/>
-              </a:rPr>
-              <a:t>(</a:t>
-            </a:r>
-            <a:r>
-              <a:rPr lang="en-US" sz="2400" i="1" dirty="0">
-                <a:solidFill>
-                  <a:prstClr val="black"/>
-                </a:solidFill>
-                <a:latin typeface="Times New Roman"/>
-                <a:cs typeface="Times New Roman"/>
-              </a:rPr>
-              <a:t>Class discussion</a:t>
-            </a:r>
-            <a:r>
-              <a:rPr lang="en-US" sz="2400" dirty="0">
-                <a:solidFill>
-                  <a:prstClr val="black"/>
-                </a:solidFill>
-                <a:latin typeface="Times New Roman"/>
-                <a:cs typeface="Times New Roman"/>
-              </a:rPr>
-              <a:t>)</a:t>
+              <a:t>Peer Review Activities</a:t>
             </a:r>
             <a:endParaRPr lang="en-US" sz="2400" b="1" dirty="0">
               <a:solidFill>
@@ -3912,7 +3880,7 @@
         <p:spPr>
           <a:xfrm>
             <a:off x="539603" y="945629"/>
-            <a:ext cx="8450017" cy="3539430"/>
+            <a:ext cx="8450017" cy="3785652"/>
           </a:xfrm>
           <a:prstGeom prst="rect">
             <a:avLst/>
@@ -3935,7 +3903,7 @@
                 <a:ea typeface="MS Mincho" panose="02020609040205080304" pitchFamily="49" charset="-128"/>
                 <a:cs typeface="Times New Roman" panose="02020603050405020304" pitchFamily="18" charset="0"/>
               </a:rPr>
-              <a:t>Various perspectives on the same text or presentation</a:t>
+              <a:t>Read the entire CV/resume and cover letter</a:t>
             </a:r>
           </a:p>
           <a:p>
@@ -3960,7 +3928,7 @@
                 <a:ea typeface="MS Mincho" panose="02020609040205080304" pitchFamily="49" charset="-128"/>
                 <a:cs typeface="Times New Roman" panose="02020603050405020304" pitchFamily="18" charset="0"/>
               </a:rPr>
-              <a:t>Bounce off ideas with various people</a:t>
+              <a:t>Discuss if they meet the expectations of the genre</a:t>
             </a:r>
           </a:p>
           <a:p>
@@ -3985,28 +3953,7 @@
                 <a:ea typeface="MS Mincho" panose="02020609040205080304" pitchFamily="49" charset="-128"/>
                 <a:cs typeface="Times New Roman" panose="02020603050405020304" pitchFamily="18" charset="0"/>
               </a:rPr>
-              <a:t>Identify possible strengths and weaknesses in writing/presenting</a:t>
-            </a:r>
-          </a:p>
-          <a:p>
-            <a:endParaRPr lang="en-US" sz="800" dirty="0">
-              <a:latin typeface="Times New Roman" panose="02020603050405020304" pitchFamily="18" charset="0"/>
-              <a:ea typeface="MS Mincho" panose="02020609040205080304" pitchFamily="49" charset="-128"/>
-              <a:cs typeface="Times New Roman" panose="02020603050405020304" pitchFamily="18" charset="0"/>
-            </a:endParaRPr>
-          </a:p>
-          <a:p>
-            <a:pPr marL="342900" indent="-342900">
-              <a:buFont typeface="Arial" panose="020B0604020202020204" pitchFamily="34" charset="0"/>
-              <a:buChar char="•"/>
-            </a:pPr>
-            <a:r>
-              <a:rPr lang="en-US" sz="2400" dirty="0">
-                <a:latin typeface="Times New Roman" panose="02020603050405020304" pitchFamily="18" charset="0"/>
-                <a:ea typeface="MS Mincho" panose="02020609040205080304" pitchFamily="49" charset="-128"/>
-                <a:cs typeface="Times New Roman" panose="02020603050405020304" pitchFamily="18" charset="0"/>
-              </a:rPr>
-              <a:t>Encourage critical reading/listening of other people’s work</a:t>
+              <a:t>Identify &amp; discuss what is most important, interesting or striking</a:t>
             </a:r>
           </a:p>
           <a:p>
@@ -4031,7 +3978,7 @@
                 <a:ea typeface="MS Mincho" panose="02020609040205080304" pitchFamily="49" charset="-128"/>
                 <a:cs typeface="Times New Roman" panose="02020603050405020304" pitchFamily="18" charset="0"/>
               </a:rPr>
-              <a:t>Encourage critical reading/listening of one own’s work</a:t>
+              <a:t>Identify &amp; discuss what is almost but not quite said</a:t>
             </a:r>
           </a:p>
           <a:p>
@@ -4056,7 +4003,7 @@
                 <a:ea typeface="MS Mincho" panose="02020609040205080304" pitchFamily="49" charset="-128"/>
                 <a:cs typeface="Times New Roman" panose="02020603050405020304" pitchFamily="18" charset="0"/>
               </a:rPr>
-              <a:t>Develop strategies for self-critique in writing/presenting</a:t>
+              <a:t>Discuss the strengths &amp; weaknesses based on the rubric</a:t>
             </a:r>
           </a:p>
           <a:p>
@@ -4081,7 +4028,7 @@
                 <a:ea typeface="MS Mincho" panose="02020609040205080304" pitchFamily="49" charset="-128"/>
                 <a:cs typeface="Times New Roman" panose="02020603050405020304" pitchFamily="18" charset="0"/>
               </a:rPr>
-              <a:t>Find people who can help you moving forward</a:t>
+              <a:t>Feedback should always be constructive!</a:t>
             </a:r>
           </a:p>
           <a:p>
@@ -4094,6 +4041,42 @@
               <a:ea typeface="MS Mincho" panose="02020609040205080304" pitchFamily="49" charset="-128"/>
               <a:cs typeface="Times New Roman" panose="02020603050405020304" pitchFamily="18" charset="0"/>
             </a:endParaRPr>
+          </a:p>
+          <a:p>
+            <a:pPr marL="342900" indent="-342900">
+              <a:buFont typeface="Arial" panose="020B0604020202020204" pitchFamily="34" charset="0"/>
+              <a:buChar char="•"/>
+            </a:pPr>
+            <a:r>
+              <a:rPr lang="en-US" sz="2400" dirty="0">
+                <a:solidFill>
+                  <a:prstClr val="black"/>
+                </a:solidFill>
+                <a:latin typeface="Times New Roman" panose="02020603050405020304" pitchFamily="18" charset="0"/>
+                <a:cs typeface="Times New Roman" panose="02020603050405020304" pitchFamily="18" charset="0"/>
+              </a:rPr>
+              <a:t>Write down notes on the discussion and give the sheet to the instructor (</a:t>
+            </a:r>
+            <a:r>
+              <a:rPr lang="en-US" sz="2400" i="1" dirty="0">
+                <a:solidFill>
+                  <a:prstClr val="black"/>
+                </a:solidFill>
+                <a:latin typeface="Times New Roman" panose="02020603050405020304" pitchFamily="18" charset="0"/>
+                <a:cs typeface="Times New Roman" panose="02020603050405020304" pitchFamily="18" charset="0"/>
+              </a:rPr>
+              <a:t>for an in-class activity grade</a:t>
+            </a:r>
+            <a:r>
+              <a:rPr lang="en-US" sz="2400" dirty="0">
+                <a:solidFill>
+                  <a:prstClr val="black"/>
+                </a:solidFill>
+                <a:latin typeface="Times New Roman" panose="02020603050405020304" pitchFamily="18" charset="0"/>
+                <a:cs typeface="Times New Roman" panose="02020603050405020304" pitchFamily="18" charset="0"/>
+              </a:rPr>
+              <a:t>)</a:t>
+            </a:r>
           </a:p>
         </p:txBody>
       </p:sp>
@@ -4107,271 +4090,6 @@
   <p:clrMapOvr>
     <a:masterClrMapping/>
   </p:clrMapOvr>
-  <p:timing>
-    <p:tnLst>
-      <p:par>
-        <p:cTn id="1" dur="indefinite" restart="never" nodeType="tmRoot">
-          <p:childTnLst>
-            <p:seq concurrent="1" nextAc="seek">
-              <p:cTn id="2" dur="indefinite" nodeType="mainSeq">
-                <p:childTnLst>
-                  <p:par>
-                    <p:cTn id="3" fill="hold">
-                      <p:stCondLst>
-                        <p:cond delay="indefinite"/>
-                      </p:stCondLst>
-                      <p:childTnLst>
-                        <p:par>
-                          <p:cTn id="4" fill="hold">
-                            <p:stCondLst>
-                              <p:cond delay="0"/>
-                            </p:stCondLst>
-                            <p:childTnLst>
-                              <p:par>
-                                <p:cTn id="5" presetID="1" presetClass="entr" presetSubtype="0" fill="hold" nodeType="clickEffect">
-                                  <p:stCondLst>
-                                    <p:cond delay="0"/>
-                                  </p:stCondLst>
-                                  <p:childTnLst>
-                                    <p:set>
-                                      <p:cBhvr>
-                                        <p:cTn id="6" dur="1" fill="hold">
-                                          <p:stCondLst>
-                                            <p:cond delay="0"/>
-                                          </p:stCondLst>
-                                        </p:cTn>
-                                        <p:tgtEl>
-                                          <p:spTgt spid="6">
-                                            <p:txEl>
-                                              <p:pRg st="0" end="0"/>
-                                            </p:txEl>
-                                          </p:spTgt>
-                                        </p:tgtEl>
-                                        <p:attrNameLst>
-                                          <p:attrName>style.visibility</p:attrName>
-                                        </p:attrNameLst>
-                                      </p:cBhvr>
-                                      <p:to>
-                                        <p:strVal val="visible"/>
-                                      </p:to>
-                                    </p:set>
-                                  </p:childTnLst>
-                                </p:cTn>
-                              </p:par>
-                              <p:par>
-                                <p:cTn id="7" presetID="1" presetClass="entr" presetSubtype="0" fill="hold" nodeType="withEffect">
-                                  <p:stCondLst>
-                                    <p:cond delay="0"/>
-                                  </p:stCondLst>
-                                  <p:childTnLst>
-                                    <p:set>
-                                      <p:cBhvr>
-                                        <p:cTn id="8" dur="1" fill="hold">
-                                          <p:stCondLst>
-                                            <p:cond delay="0"/>
-                                          </p:stCondLst>
-                                        </p:cTn>
-                                        <p:tgtEl>
-                                          <p:spTgt spid="6">
-                                            <p:txEl>
-                                              <p:pRg st="2" end="2"/>
-                                            </p:txEl>
-                                          </p:spTgt>
-                                        </p:tgtEl>
-                                        <p:attrNameLst>
-                                          <p:attrName>style.visibility</p:attrName>
-                                        </p:attrNameLst>
-                                      </p:cBhvr>
-                                      <p:to>
-                                        <p:strVal val="visible"/>
-                                      </p:to>
-                                    </p:set>
-                                  </p:childTnLst>
-                                </p:cTn>
-                              </p:par>
-                              <p:par>
-                                <p:cTn id="9" presetID="1" presetClass="entr" presetSubtype="0" fill="hold" nodeType="withEffect">
-                                  <p:stCondLst>
-                                    <p:cond delay="0"/>
-                                  </p:stCondLst>
-                                  <p:childTnLst>
-                                    <p:set>
-                                      <p:cBhvr>
-                                        <p:cTn id="10" dur="1" fill="hold">
-                                          <p:stCondLst>
-                                            <p:cond delay="0"/>
-                                          </p:stCondLst>
-                                        </p:cTn>
-                                        <p:tgtEl>
-                                          <p:spTgt spid="6">
-                                            <p:txEl>
-                                              <p:pRg st="4" end="4"/>
-                                            </p:txEl>
-                                          </p:spTgt>
-                                        </p:tgtEl>
-                                        <p:attrNameLst>
-                                          <p:attrName>style.visibility</p:attrName>
-                                        </p:attrNameLst>
-                                      </p:cBhvr>
-                                      <p:to>
-                                        <p:strVal val="visible"/>
-                                      </p:to>
-                                    </p:set>
-                                  </p:childTnLst>
-                                </p:cTn>
-                              </p:par>
-                              <p:par>
-                                <p:cTn id="11" presetID="1" presetClass="entr" presetSubtype="0" fill="hold" nodeType="withEffect">
-                                  <p:stCondLst>
-                                    <p:cond delay="0"/>
-                                  </p:stCondLst>
-                                  <p:childTnLst>
-                                    <p:set>
-                                      <p:cBhvr>
-                                        <p:cTn id="12" dur="1" fill="hold">
-                                          <p:stCondLst>
-                                            <p:cond delay="0"/>
-                                          </p:stCondLst>
-                                        </p:cTn>
-                                        <p:tgtEl>
-                                          <p:spTgt spid="6">
-                                            <p:txEl>
-                                              <p:pRg st="6" end="6"/>
-                                            </p:txEl>
-                                          </p:spTgt>
-                                        </p:tgtEl>
-                                        <p:attrNameLst>
-                                          <p:attrName>style.visibility</p:attrName>
-                                        </p:attrNameLst>
-                                      </p:cBhvr>
-                                      <p:to>
-                                        <p:strVal val="visible"/>
-                                      </p:to>
-                                    </p:set>
-                                  </p:childTnLst>
-                                </p:cTn>
-                              </p:par>
-                              <p:par>
-                                <p:cTn id="13" presetID="1" presetClass="entr" presetSubtype="0" fill="hold" nodeType="withEffect">
-                                  <p:stCondLst>
-                                    <p:cond delay="0"/>
-                                  </p:stCondLst>
-                                  <p:childTnLst>
-                                    <p:set>
-                                      <p:cBhvr>
-                                        <p:cTn id="14" dur="1" fill="hold">
-                                          <p:stCondLst>
-                                            <p:cond delay="0"/>
-                                          </p:stCondLst>
-                                        </p:cTn>
-                                        <p:tgtEl>
-                                          <p:spTgt spid="6">
-                                            <p:txEl>
-                                              <p:pRg st="8" end="8"/>
-                                            </p:txEl>
-                                          </p:spTgt>
-                                        </p:tgtEl>
-                                        <p:attrNameLst>
-                                          <p:attrName>style.visibility</p:attrName>
-                                        </p:attrNameLst>
-                                      </p:cBhvr>
-                                      <p:to>
-                                        <p:strVal val="visible"/>
-                                      </p:to>
-                                    </p:set>
-                                  </p:childTnLst>
-                                </p:cTn>
-                              </p:par>
-                              <p:par>
-                                <p:cTn id="15" presetID="1" presetClass="entr" presetSubtype="0" fill="hold" nodeType="withEffect">
-                                  <p:stCondLst>
-                                    <p:cond delay="0"/>
-                                  </p:stCondLst>
-                                  <p:childTnLst>
-                                    <p:set>
-                                      <p:cBhvr>
-                                        <p:cTn id="16" dur="1" fill="hold">
-                                          <p:stCondLst>
-                                            <p:cond delay="0"/>
-                                          </p:stCondLst>
-                                        </p:cTn>
-                                        <p:tgtEl>
-                                          <p:spTgt spid="6">
-                                            <p:txEl>
-                                              <p:pRg st="10" end="10"/>
-                                            </p:txEl>
-                                          </p:spTgt>
-                                        </p:tgtEl>
-                                        <p:attrNameLst>
-                                          <p:attrName>style.visibility</p:attrName>
-                                        </p:attrNameLst>
-                                      </p:cBhvr>
-                                      <p:to>
-                                        <p:strVal val="visible"/>
-                                      </p:to>
-                                    </p:set>
-                                  </p:childTnLst>
-                                </p:cTn>
-                              </p:par>
-                              <p:par>
-                                <p:cTn id="17" presetID="1" presetClass="entr" presetSubtype="0" fill="hold" nodeType="withEffect">
-                                  <p:stCondLst>
-                                    <p:cond delay="0"/>
-                                  </p:stCondLst>
-                                  <p:childTnLst>
-                                    <p:set>
-                                      <p:cBhvr>
-                                        <p:cTn id="18" dur="1" fill="hold">
-                                          <p:stCondLst>
-                                            <p:cond delay="0"/>
-                                          </p:stCondLst>
-                                        </p:cTn>
-                                        <p:tgtEl>
-                                          <p:spTgt spid="6">
-                                            <p:txEl>
-                                              <p:pRg st="12" end="12"/>
-                                            </p:txEl>
-                                          </p:spTgt>
-                                        </p:tgtEl>
-                                        <p:attrNameLst>
-                                          <p:attrName>style.visibility</p:attrName>
-                                        </p:attrNameLst>
-                                      </p:cBhvr>
-                                      <p:to>
-                                        <p:strVal val="visible"/>
-                                      </p:to>
-                                    </p:set>
-                                  </p:childTnLst>
-                                </p:cTn>
-                              </p:par>
-                            </p:childTnLst>
-                          </p:cTn>
-                        </p:par>
-                      </p:childTnLst>
-                    </p:cTn>
-                  </p:par>
-                </p:childTnLst>
-              </p:cTn>
-              <p:prevCondLst>
-                <p:cond evt="onPrev" delay="0">
-                  <p:tgtEl>
-                    <p:sldTgt/>
-                  </p:tgtEl>
-                </p:cond>
-              </p:prevCondLst>
-              <p:nextCondLst>
-                <p:cond evt="onNext" delay="0">
-                  <p:tgtEl>
-                    <p:sldTgt/>
-                  </p:tgtEl>
-                </p:cond>
-              </p:nextCondLst>
-            </p:seq>
-          </p:childTnLst>
-        </p:cTn>
-      </p:par>
-    </p:tnLst>
-  </p:timing>
 </p:sld>
 </file>
 
@@ -4401,7 +4119,7 @@
         <p:spPr>
           <a:xfrm>
             <a:off x="275549" y="191702"/>
-            <a:ext cx="3837012" cy="553998"/>
+            <a:ext cx="8005910" cy="553998"/>
           </a:xfrm>
           <a:prstGeom prst="rect">
             <a:avLst/>
@@ -4422,7 +4140,37 @@
                 <a:latin typeface="Times New Roman"/>
                 <a:cs typeface="Times New Roman"/>
               </a:rPr>
-              <a:t>Peer Review Activities</a:t>
+              <a:t>Writing a Proposal Abstract  </a:t>
+            </a:r>
+            <a:r>
+              <a:rPr lang="en-US" sz="2400" dirty="0">
+                <a:solidFill>
+                  <a:prstClr val="black"/>
+                </a:solidFill>
+                <a:latin typeface="Times New Roman"/>
+                <a:cs typeface="Times New Roman"/>
+              </a:rPr>
+              <a:t>(</a:t>
+            </a:r>
+            <a:r>
+              <a:rPr lang="en-US" sz="2400" i="1" dirty="0">
+                <a:solidFill>
+                  <a:prstClr val="black"/>
+                </a:solidFill>
+                <a:latin typeface="Times New Roman"/>
+                <a:cs typeface="Times New Roman"/>
+              </a:rPr>
+              <a:t>In-Class &amp; Homework</a:t>
+            </a:r>
+            <a:r>
+              <a:rPr lang="en-US" sz="2400" dirty="0">
+                <a:solidFill>
+                  <a:prstClr val="black"/>
+                </a:solidFill>
+                <a:latin typeface="Times New Roman"/>
+                <a:cs typeface="Times New Roman"/>
+              </a:rPr>
+              <a:t>)</a:t>
             </a:r>
             <a:endParaRPr lang="en-US" sz="2400" b="1" dirty="0">
               <a:solidFill>
@@ -4448,8 +4196,8 @@
         </p:nvSpPr>
         <p:spPr>
           <a:xfrm>
-            <a:off x="539603" y="945629"/>
-            <a:ext cx="8450017" cy="3785652"/>
+            <a:off x="539604" y="945629"/>
+            <a:ext cx="8147196" cy="5447645"/>
           </a:xfrm>
           <a:prstGeom prst="rect">
             <a:avLst/>
@@ -4462,7 +4210,13 @@
           </a:bodyPr>
           <a:lstStyle/>
           <a:p>
-            <a:pPr marL="342900" indent="-342900">
+            <a:pPr marL="342900" marR="0" lvl="0" indent="-342900">
+              <a:spcBef>
+                <a:spcPts val="0"/>
+              </a:spcBef>
+              <a:spcAft>
+                <a:spcPts val="0"/>
+              </a:spcAft>
               <a:buFont typeface="Arial" panose="020B0604020202020204" pitchFamily="34" charset="0"/>
               <a:buChar char="•"/>
             </a:pPr>
@@ -4472,7 +4226,7 @@
                 <a:ea typeface="MS Mincho" panose="02020609040205080304" pitchFamily="49" charset="-128"/>
                 <a:cs typeface="Times New Roman" panose="02020603050405020304" pitchFamily="18" charset="0"/>
               </a:rPr>
-              <a:t>Read the entire CV/resume and cover letter</a:t>
+              <a:t>Every student picks something they would like to propose for (funding, research time, etc.), related to their research area</a:t>
             </a:r>
           </a:p>
           <a:p>
@@ -4480,7 +4234,7 @@
               <a:buFont typeface="Arial" panose="020B0604020202020204" pitchFamily="34" charset="0"/>
               <a:buChar char="•"/>
             </a:pPr>
-            <a:endParaRPr lang="en-US" sz="800" dirty="0">
+            <a:endParaRPr lang="en-US" sz="1200" dirty="0">
               <a:latin typeface="Times New Roman" panose="02020603050405020304" pitchFamily="18" charset="0"/>
               <a:ea typeface="MS Mincho" panose="02020609040205080304" pitchFamily="49" charset="-128"/>
               <a:cs typeface="Times New Roman" panose="02020603050405020304" pitchFamily="18" charset="0"/>
@@ -4497,7 +4251,7 @@
                 <a:ea typeface="MS Mincho" panose="02020609040205080304" pitchFamily="49" charset="-128"/>
                 <a:cs typeface="Times New Roman" panose="02020603050405020304" pitchFamily="18" charset="0"/>
               </a:rPr>
-              <a:t>Discuss if they meet the expectations of the genre</a:t>
+              <a:t>Every student writes an abstract for a proposal, including an appealing title; maximum of 150 words for the abstract </a:t>
             </a:r>
           </a:p>
           <a:p>
@@ -4505,7 +4259,7 @@
               <a:buFont typeface="Arial" panose="020B0604020202020204" pitchFamily="34" charset="0"/>
               <a:buChar char="•"/>
             </a:pPr>
-            <a:endParaRPr lang="en-US" sz="800" dirty="0">
+            <a:endParaRPr lang="en-US" sz="1200" dirty="0">
               <a:latin typeface="Times New Roman" panose="02020603050405020304" pitchFamily="18" charset="0"/>
               <a:ea typeface="MS Mincho" panose="02020609040205080304" pitchFamily="49" charset="-128"/>
               <a:cs typeface="Times New Roman" panose="02020603050405020304" pitchFamily="18" charset="0"/>
@@ -4522,7 +4276,7 @@
                 <a:ea typeface="MS Mincho" panose="02020609040205080304" pitchFamily="49" charset="-128"/>
                 <a:cs typeface="Times New Roman" panose="02020603050405020304" pitchFamily="18" charset="0"/>
               </a:rPr>
-              <a:t>Identify &amp; discuss what is most important, interesting or striking</a:t>
+              <a:t>The abstract should be submitted in editable format; and it should clearly state which organization this proposal is for</a:t>
             </a:r>
           </a:p>
           <a:p>
@@ -4530,7 +4284,7 @@
               <a:buFont typeface="Arial" panose="020B0604020202020204" pitchFamily="34" charset="0"/>
               <a:buChar char="•"/>
             </a:pPr>
-            <a:endParaRPr lang="en-US" sz="800" dirty="0">
+            <a:endParaRPr lang="en-US" sz="1200" dirty="0">
               <a:latin typeface="Times New Roman" panose="02020603050405020304" pitchFamily="18" charset="0"/>
               <a:ea typeface="MS Mincho" panose="02020609040205080304" pitchFamily="49" charset="-128"/>
               <a:cs typeface="Times New Roman" panose="02020603050405020304" pitchFamily="18" charset="0"/>
@@ -4547,7 +4301,7 @@
                 <a:ea typeface="MS Mincho" panose="02020609040205080304" pitchFamily="49" charset="-128"/>
                 <a:cs typeface="Times New Roman" panose="02020603050405020304" pitchFamily="18" charset="0"/>
               </a:rPr>
-              <a:t>Identify &amp; discuss what is almost but not quite said</a:t>
+              <a:t>There is opportunity to work on the abstract in class today</a:t>
             </a:r>
           </a:p>
           <a:p>
@@ -4555,7 +4309,7 @@
               <a:buFont typeface="Arial" panose="020B0604020202020204" pitchFamily="34" charset="0"/>
               <a:buChar char="•"/>
             </a:pPr>
-            <a:endParaRPr lang="en-US" sz="800" dirty="0">
+            <a:endParaRPr lang="en-US" sz="1200" dirty="0">
               <a:latin typeface="Times New Roman" panose="02020603050405020304" pitchFamily="18" charset="0"/>
               <a:ea typeface="MS Mincho" panose="02020609040205080304" pitchFamily="49" charset="-128"/>
               <a:cs typeface="Times New Roman" panose="02020603050405020304" pitchFamily="18" charset="0"/>
@@ -4572,7 +4326,7 @@
                 <a:ea typeface="MS Mincho" panose="02020609040205080304" pitchFamily="49" charset="-128"/>
                 <a:cs typeface="Times New Roman" panose="02020603050405020304" pitchFamily="18" charset="0"/>
               </a:rPr>
-              <a:t>Discuss the strengths &amp; weaknesses based on the rubric</a:t>
+              <a:t>The abstract should be submitted via e-mail to the instructor by the end of this week</a:t>
             </a:r>
           </a:p>
           <a:p>
@@ -4580,7 +4334,7 @@
               <a:buFont typeface="Arial" panose="020B0604020202020204" pitchFamily="34" charset="0"/>
               <a:buChar char="•"/>
             </a:pPr>
-            <a:endParaRPr lang="en-US" sz="800" dirty="0">
+            <a:endParaRPr lang="en-US" sz="1200" dirty="0">
               <a:latin typeface="Times New Roman" panose="02020603050405020304" pitchFamily="18" charset="0"/>
               <a:ea typeface="MS Mincho" panose="02020609040205080304" pitchFamily="49" charset="-128"/>
               <a:cs typeface="Times New Roman" panose="02020603050405020304" pitchFamily="18" charset="0"/>
@@ -4597,54 +4351,7 @@
                 <a:ea typeface="MS Mincho" panose="02020609040205080304" pitchFamily="49" charset="-128"/>
                 <a:cs typeface="Times New Roman" panose="02020603050405020304" pitchFamily="18" charset="0"/>
               </a:rPr>
-              <a:t>Feedback should always be constructive!</a:t>
-            </a:r>
-          </a:p>
-          <a:p>
-            <a:pPr marL="342900" indent="-342900">
-              <a:buFont typeface="Arial" panose="020B0604020202020204" pitchFamily="34" charset="0"/>
-              <a:buChar char="•"/>
-            </a:pPr>
-            <a:endParaRPr lang="en-US" sz="800" dirty="0">
-              <a:latin typeface="Times New Roman" panose="02020603050405020304" pitchFamily="18" charset="0"/>
-              <a:ea typeface="MS Mincho" panose="02020609040205080304" pitchFamily="49" charset="-128"/>
-              <a:cs typeface="Times New Roman" panose="02020603050405020304" pitchFamily="18" charset="0"/>
-            </a:endParaRPr>
-          </a:p>
-          <a:p>
-            <a:pPr marL="342900" indent="-342900">
-              <a:buFont typeface="Arial" panose="020B0604020202020204" pitchFamily="34" charset="0"/>
-              <a:buChar char="•"/>
-            </a:pPr>
-            <a:r>
-              <a:rPr lang="en-US" sz="2400" dirty="0">
-                <a:solidFill>
-                  <a:prstClr val="black"/>
-                </a:solidFill>
-                <a:latin typeface="Times New Roman" panose="02020603050405020304" pitchFamily="18" charset="0"/>
-                <a:cs typeface="Times New Roman" panose="02020603050405020304" pitchFamily="18" charset="0"/>
-              </a:rPr>
-              <a:t>Write down notes on the discussion and give the sheet to the instructor (</a:t>
-            </a:r>
-            <a:r>
-              <a:rPr lang="en-US" sz="2400" i="1" dirty="0">
-                <a:solidFill>
-                  <a:prstClr val="black"/>
-                </a:solidFill>
-                <a:latin typeface="Times New Roman" panose="02020603050405020304" pitchFamily="18" charset="0"/>
-                <a:cs typeface="Times New Roman" panose="02020603050405020304" pitchFamily="18" charset="0"/>
-              </a:rPr>
-              <a:t>for an in-class activity grade</a:t>
-            </a:r>
-            <a:r>
-              <a:rPr lang="en-US" sz="2400" dirty="0">
-                <a:solidFill>
-                  <a:prstClr val="black"/>
-                </a:solidFill>
-                <a:latin typeface="Times New Roman" panose="02020603050405020304" pitchFamily="18" charset="0"/>
-                <a:cs typeface="Times New Roman" panose="02020603050405020304" pitchFamily="18" charset="0"/>
-              </a:rPr>
-              <a:t>)</a:t>
+              <a:t>The instructor will anonymize all abstracts and send them around, so everybody can read the proposals for next week’s classes in which we will have mock panel reviews</a:t>
             </a:r>
           </a:p>
         </p:txBody>
@@ -4652,7 +4359,7 @@
     </p:spTree>
     <p:extLst>
       <p:ext uri="{BB962C8B-B14F-4D97-AF65-F5344CB8AC3E}">
-        <p14:creationId xmlns:p14="http://schemas.microsoft.com/office/powerpoint/2010/main" val="2800398736"/>
+        <p14:creationId xmlns:p14="http://schemas.microsoft.com/office/powerpoint/2010/main" val="3059200128"/>
       </p:ext>
     </p:extLst>
   </p:cSld>
@@ -4688,7 +4395,7 @@
         <p:spPr>
           <a:xfrm>
             <a:off x="275549" y="191702"/>
-            <a:ext cx="8345618" cy="553998"/>
+            <a:ext cx="7789248" cy="553998"/>
           </a:xfrm>
           <a:prstGeom prst="rect">
             <a:avLst/>
@@ -4709,7 +4416,17 @@
                 <a:latin typeface="Times New Roman"/>
                 <a:cs typeface="Times New Roman"/>
               </a:rPr>
-              <a:t>When Does One Write a Proposal?  </a:t>
+              <a:t>Proposal Abstract Review Panel</a:t>
+            </a:r>
+            <a:r>
+              <a:rPr lang="en-US" sz="2400" b="1" dirty="0">
+                <a:solidFill>
+                  <a:prstClr val="black"/>
+                </a:solidFill>
+                <a:latin typeface="Times New Roman"/>
+                <a:cs typeface="Times New Roman"/>
+              </a:rPr>
+              <a:t>  </a:t>
             </a:r>
             <a:r>
               <a:rPr lang="en-US" sz="2400" dirty="0">
@@ -4729,7 +4446,7 @@
                 <a:latin typeface="Times New Roman"/>
                 <a:cs typeface="Times New Roman"/>
               </a:rPr>
-              <a:t>Class discussion</a:t>
+              <a:t>In-Class Activity</a:t>
             </a:r>
             <a:r>
               <a:rPr lang="en-US" sz="2400" dirty="0">
@@ -4765,8 +4482,8 @@
         </p:nvSpPr>
         <p:spPr>
           <a:xfrm>
-            <a:off x="539603" y="945629"/>
-            <a:ext cx="7918597" cy="2308324"/>
+            <a:off x="539604" y="945629"/>
+            <a:ext cx="8421516" cy="4339650"/>
           </a:xfrm>
           <a:prstGeom prst="rect">
             <a:avLst/>
@@ -4779,7 +4496,13 @@
           </a:bodyPr>
           <a:lstStyle/>
           <a:p>
-            <a:pPr marL="342900" indent="-342900">
+            <a:pPr marL="342900" marR="0" lvl="0" indent="-342900">
+              <a:spcBef>
+                <a:spcPts val="0"/>
+              </a:spcBef>
+              <a:spcAft>
+                <a:spcPts val="0"/>
+              </a:spcAft>
               <a:buFont typeface="Arial" panose="020B0604020202020204" pitchFamily="34" charset="0"/>
               <a:buChar char="•"/>
             </a:pPr>
@@ -4789,7 +4512,7 @@
                 <a:ea typeface="MS Mincho" panose="02020609040205080304" pitchFamily="49" charset="-128"/>
                 <a:cs typeface="Times New Roman" panose="02020603050405020304" pitchFamily="18" charset="0"/>
               </a:rPr>
-              <a:t>To obtain funding/support for a group and/or effort: people, machines, materials, software, etc.</a:t>
+              <a:t>Everybody participates, but three special roles for each abstract</a:t>
             </a:r>
           </a:p>
           <a:p>
@@ -4797,7 +4520,7 @@
               <a:buFont typeface="Arial" panose="020B0604020202020204" pitchFamily="34" charset="0"/>
               <a:buChar char="•"/>
             </a:pPr>
-            <a:endParaRPr lang="en-US" sz="800" dirty="0">
+            <a:endParaRPr lang="en-US" sz="1200" dirty="0">
               <a:latin typeface="Times New Roman" panose="02020603050405020304" pitchFamily="18" charset="0"/>
               <a:ea typeface="MS Mincho" panose="02020609040205080304" pitchFamily="49" charset="-128"/>
               <a:cs typeface="Times New Roman" panose="02020603050405020304" pitchFamily="18" charset="0"/>
@@ -4814,22 +4537,11 @@
                 <a:ea typeface="MS Mincho" panose="02020609040205080304" pitchFamily="49" charset="-128"/>
                 <a:cs typeface="Times New Roman" panose="02020603050405020304" pitchFamily="18" charset="0"/>
               </a:rPr>
-              <a:t>To obtain time to do an experiment, observations, etc.</a:t>
-            </a:r>
-          </a:p>
-          <a:p>
-            <a:pPr marL="342900" indent="-342900">
-              <a:buFont typeface="Arial" panose="020B0604020202020204" pitchFamily="34" charset="0"/>
-              <a:buChar char="•"/>
-            </a:pPr>
-            <a:endParaRPr lang="en-US" sz="800" dirty="0">
-              <a:latin typeface="Times New Roman" panose="02020603050405020304" pitchFamily="18" charset="0"/>
-              <a:ea typeface="MS Mincho" panose="02020609040205080304" pitchFamily="49" charset="-128"/>
-              <a:cs typeface="Times New Roman" panose="02020603050405020304" pitchFamily="18" charset="0"/>
-            </a:endParaRPr>
-          </a:p>
-          <a:p>
-            <a:pPr marL="342900" indent="-342900">
+              <a:t>Primary reviewer (the ‘manager’)</a:t>
+            </a:r>
+          </a:p>
+          <a:p>
+            <a:pPr marL="800100" lvl="1" indent="-342900">
               <a:buFont typeface="Arial" panose="020B0604020202020204" pitchFamily="34" charset="0"/>
               <a:buChar char="•"/>
             </a:pPr>
@@ -4839,18 +4551,11 @@
                 <a:ea typeface="MS Mincho" panose="02020609040205080304" pitchFamily="49" charset="-128"/>
                 <a:cs typeface="Times New Roman" panose="02020603050405020304" pitchFamily="18" charset="0"/>
               </a:rPr>
-              <a:t>To obtain computing time on a large computational facility</a:t>
-            </a:r>
-          </a:p>
-          <a:p>
-            <a:endParaRPr lang="en-US" sz="800" dirty="0">
-              <a:latin typeface="Times New Roman" panose="02020603050405020304" pitchFamily="18" charset="0"/>
-              <a:ea typeface="MS Mincho" panose="02020609040205080304" pitchFamily="49" charset="-128"/>
-              <a:cs typeface="Times New Roman" panose="02020603050405020304" pitchFamily="18" charset="0"/>
-            </a:endParaRPr>
-          </a:p>
-          <a:p>
-            <a:pPr marL="342900" indent="-342900">
+              <a:t>Leads the discussion </a:t>
+            </a:r>
+          </a:p>
+          <a:p>
+            <a:pPr marL="800100" lvl="1" indent="-342900">
               <a:buFont typeface="Arial" panose="020B0604020202020204" pitchFamily="34" charset="0"/>
               <a:buChar char="•"/>
             </a:pPr>
@@ -4860,198 +4565,127 @@
                 <a:ea typeface="MS Mincho" panose="02020609040205080304" pitchFamily="49" charset="-128"/>
                 <a:cs typeface="Times New Roman" panose="02020603050405020304" pitchFamily="18" charset="0"/>
               </a:rPr>
-              <a:t>To build large instrumentation, labs, etc.</a:t>
-            </a:r>
-            <a:endParaRPr lang="en-US" sz="800" dirty="0">
+              <a:t>Gives a short summary of the proposal goals</a:t>
+            </a:r>
+          </a:p>
+          <a:p>
+            <a:pPr marL="800100" lvl="1" indent="-342900">
+              <a:buFont typeface="Arial" panose="020B0604020202020204" pitchFamily="34" charset="0"/>
+              <a:buChar char="•"/>
+            </a:pPr>
+            <a:r>
+              <a:rPr lang="en-US" sz="2400" dirty="0">
+                <a:latin typeface="Times New Roman" panose="02020603050405020304" pitchFamily="18" charset="0"/>
+                <a:ea typeface="MS Mincho" panose="02020609040205080304" pitchFamily="49" charset="-128"/>
+                <a:cs typeface="Times New Roman" panose="02020603050405020304" pitchFamily="18" charset="0"/>
+              </a:rPr>
+              <a:t>Discusses strengths and possible improvements</a:t>
+            </a:r>
+          </a:p>
+          <a:p>
+            <a:pPr marL="800100" lvl="1" indent="-342900">
+              <a:buFont typeface="Arial" panose="020B0604020202020204" pitchFamily="34" charset="0"/>
+              <a:buChar char="•"/>
+            </a:pPr>
+            <a:r>
+              <a:rPr lang="en-US" sz="2400" dirty="0">
+                <a:latin typeface="Times New Roman" panose="02020603050405020304" pitchFamily="18" charset="0"/>
+                <a:ea typeface="MS Mincho" panose="02020609040205080304" pitchFamily="49" charset="-128"/>
+                <a:cs typeface="Times New Roman" panose="02020603050405020304" pitchFamily="18" charset="0"/>
+              </a:rPr>
+              <a:t>Opens up the discussion after the secondary reviewer</a:t>
+            </a:r>
+          </a:p>
+          <a:p>
+            <a:pPr marL="342900" indent="-342900">
+              <a:buFont typeface="Arial" panose="020B0604020202020204" pitchFamily="34" charset="0"/>
+              <a:buChar char="•"/>
+            </a:pPr>
+            <a:endParaRPr lang="en-US" sz="1200" dirty="0">
               <a:latin typeface="Times New Roman" panose="02020603050405020304" pitchFamily="18" charset="0"/>
               <a:ea typeface="MS Mincho" panose="02020609040205080304" pitchFamily="49" charset="-128"/>
               <a:cs typeface="Times New Roman" panose="02020603050405020304" pitchFamily="18" charset="0"/>
             </a:endParaRPr>
           </a:p>
+          <a:p>
+            <a:pPr marL="342900" indent="-342900">
+              <a:buFont typeface="Arial" panose="020B0604020202020204" pitchFamily="34" charset="0"/>
+              <a:buChar char="•"/>
+            </a:pPr>
+            <a:r>
+              <a:rPr lang="en-US" sz="2400" dirty="0">
+                <a:latin typeface="Times New Roman" panose="02020603050405020304" pitchFamily="18" charset="0"/>
+                <a:ea typeface="MS Mincho" panose="02020609040205080304" pitchFamily="49" charset="-128"/>
+                <a:cs typeface="Times New Roman" panose="02020603050405020304" pitchFamily="18" charset="0"/>
+              </a:rPr>
+              <a:t>Secondary reviewer (the ‘sceptic’)</a:t>
+            </a:r>
+          </a:p>
+          <a:p>
+            <a:pPr marL="800100" lvl="1" indent="-342900">
+              <a:buFont typeface="Arial" panose="020B0604020202020204" pitchFamily="34" charset="0"/>
+              <a:buChar char="•"/>
+            </a:pPr>
+            <a:r>
+              <a:rPr lang="en-US" sz="2400" dirty="0">
+                <a:latin typeface="Times New Roman" panose="02020603050405020304" pitchFamily="18" charset="0"/>
+                <a:ea typeface="MS Mincho" panose="02020609040205080304" pitchFamily="49" charset="-128"/>
+                <a:cs typeface="Times New Roman" panose="02020603050405020304" pitchFamily="18" charset="0"/>
+              </a:rPr>
+              <a:t>Discusses strengths and possible improvements</a:t>
+            </a:r>
+          </a:p>
+          <a:p>
+            <a:pPr marL="800100" lvl="1" indent="-342900">
+              <a:buFont typeface="Arial" panose="020B0604020202020204" pitchFamily="34" charset="0"/>
+              <a:buChar char="•"/>
+            </a:pPr>
+            <a:r>
+              <a:rPr lang="en-US" sz="2400" dirty="0">
+                <a:latin typeface="Times New Roman" panose="02020603050405020304" pitchFamily="18" charset="0"/>
+                <a:ea typeface="MS Mincho" panose="02020609040205080304" pitchFamily="49" charset="-128"/>
+                <a:cs typeface="Times New Roman" panose="02020603050405020304" pitchFamily="18" charset="0"/>
+              </a:rPr>
+              <a:t>Highlights different opinions from primary reviewer</a:t>
+            </a:r>
+          </a:p>
+          <a:p>
+            <a:pPr marL="342900" indent="-342900">
+              <a:buFont typeface="Arial" panose="020B0604020202020204" pitchFamily="34" charset="0"/>
+              <a:buChar char="•"/>
+            </a:pPr>
+            <a:endParaRPr lang="en-US" sz="1200" dirty="0">
+              <a:latin typeface="Times New Roman" panose="02020603050405020304" pitchFamily="18" charset="0"/>
+              <a:ea typeface="MS Mincho" panose="02020609040205080304" pitchFamily="49" charset="-128"/>
+              <a:cs typeface="Times New Roman" panose="02020603050405020304" pitchFamily="18" charset="0"/>
+            </a:endParaRPr>
+          </a:p>
+          <a:p>
+            <a:pPr marL="342900" indent="-342900">
+              <a:buFont typeface="Arial" panose="020B0604020202020204" pitchFamily="34" charset="0"/>
+              <a:buChar char="•"/>
+            </a:pPr>
+            <a:r>
+              <a:rPr lang="en-US" sz="2400" dirty="0">
+                <a:latin typeface="Times New Roman" panose="02020603050405020304" pitchFamily="18" charset="0"/>
+                <a:ea typeface="MS Mincho" panose="02020609040205080304" pitchFamily="49" charset="-128"/>
+                <a:cs typeface="Times New Roman" panose="02020603050405020304" pitchFamily="18" charset="0"/>
+              </a:rPr>
+              <a:t>Recorder: takes notes and summarizes the discussion</a:t>
+            </a:r>
+          </a:p>
         </p:txBody>
       </p:sp>
     </p:spTree>
     <p:extLst>
       <p:ext uri="{BB962C8B-B14F-4D97-AF65-F5344CB8AC3E}">
-        <p14:creationId xmlns:p14="http://schemas.microsoft.com/office/powerpoint/2010/main" val="3241906081"/>
+        <p14:creationId xmlns:p14="http://schemas.microsoft.com/office/powerpoint/2010/main" val="1480707340"/>
       </p:ext>
     </p:extLst>
   </p:cSld>
   <p:clrMapOvr>
     <a:masterClrMapping/>
   </p:clrMapOvr>
-  <p:timing>
-    <p:tnLst>
-      <p:par>
-        <p:cTn id="1" dur="indefinite" restart="never" nodeType="tmRoot">
-          <p:childTnLst>
-            <p:seq concurrent="1" nextAc="seek">
-              <p:cTn id="2" dur="indefinite" nodeType="mainSeq">
-                <p:childTnLst>
-                  <p:par>
-                    <p:cTn id="3" fill="hold">
-                      <p:stCondLst>
-                        <p:cond delay="indefinite"/>
-                      </p:stCondLst>
-                      <p:childTnLst>
-                        <p:par>
-                          <p:cTn id="4" fill="hold">
-                            <p:stCondLst>
-                              <p:cond delay="0"/>
-                            </p:stCondLst>
-                            <p:childTnLst>
-                              <p:par>
-                                <p:cTn id="5" presetID="1" presetClass="entr" presetSubtype="0" fill="hold" nodeType="clickEffect">
-                                  <p:stCondLst>
-                                    <p:cond delay="0"/>
-                                  </p:stCondLst>
-                                  <p:childTnLst>
-                                    <p:set>
-                                      <p:cBhvr>
-                                        <p:cTn id="6" dur="1" fill="hold">
-                                          <p:stCondLst>
-                                            <p:cond delay="0"/>
-                                          </p:stCondLst>
-                                        </p:cTn>
-                                        <p:tgtEl>
-                                          <p:spTgt spid="6">
-                                            <p:txEl>
-                                              <p:pRg st="0" end="0"/>
-                                            </p:txEl>
-                                          </p:spTgt>
-                                        </p:tgtEl>
-                                        <p:attrNameLst>
-                                          <p:attrName>style.visibility</p:attrName>
-                                        </p:attrNameLst>
-                                      </p:cBhvr>
-                                      <p:to>
-                                        <p:strVal val="visible"/>
-                                      </p:to>
-                                    </p:set>
-                                  </p:childTnLst>
-                                </p:cTn>
-                              </p:par>
-                              <p:par>
-                                <p:cTn id="7" presetID="1" presetClass="entr" presetSubtype="0" fill="hold" nodeType="withEffect">
-                                  <p:stCondLst>
-                                    <p:cond delay="0"/>
-                                  </p:stCondLst>
-                                  <p:childTnLst>
-                                    <p:set>
-                                      <p:cBhvr>
-                                        <p:cTn id="8" dur="1" fill="hold">
-                                          <p:stCondLst>
-                                            <p:cond delay="0"/>
-                                          </p:stCondLst>
-                                        </p:cTn>
-                                        <p:tgtEl>
-                                          <p:spTgt spid="6">
-                                            <p:txEl>
-                                              <p:pRg st="2" end="2"/>
-                                            </p:txEl>
-                                          </p:spTgt>
-                                        </p:tgtEl>
-                                        <p:attrNameLst>
-                                          <p:attrName>style.visibility</p:attrName>
-                                        </p:attrNameLst>
-                                      </p:cBhvr>
-                                      <p:to>
-                                        <p:strVal val="visible"/>
-                                      </p:to>
-                                    </p:set>
-                                  </p:childTnLst>
-                                </p:cTn>
-                              </p:par>
-                              <p:par>
-                                <p:cTn id="9" presetID="1" presetClass="entr" presetSubtype="0" fill="hold" nodeType="withEffect">
-                                  <p:stCondLst>
-                                    <p:cond delay="0"/>
-                                  </p:stCondLst>
-                                  <p:childTnLst>
-                                    <p:set>
-                                      <p:cBhvr>
-                                        <p:cTn id="10" dur="1" fill="hold">
-                                          <p:stCondLst>
-                                            <p:cond delay="0"/>
-                                          </p:stCondLst>
-                                        </p:cTn>
-                                        <p:tgtEl>
-                                          <p:spTgt spid="6">
-                                            <p:txEl>
-                                              <p:pRg st="4" end="4"/>
-                                            </p:txEl>
-                                          </p:spTgt>
-                                        </p:tgtEl>
-                                        <p:attrNameLst>
-                                          <p:attrName>style.visibility</p:attrName>
-                                        </p:attrNameLst>
-                                      </p:cBhvr>
-                                      <p:to>
-                                        <p:strVal val="visible"/>
-                                      </p:to>
-                                    </p:set>
-                                  </p:childTnLst>
-                                </p:cTn>
-                              </p:par>
-                              <p:par>
-                                <p:cTn id="11" presetID="1" presetClass="entr" presetSubtype="0" fill="hold" nodeType="withEffect">
-                                  <p:stCondLst>
-                                    <p:cond delay="0"/>
-                                  </p:stCondLst>
-                                  <p:childTnLst>
-                                    <p:set>
-                                      <p:cBhvr>
-                                        <p:cTn id="12" dur="1" fill="hold">
-                                          <p:stCondLst>
-                                            <p:cond delay="0"/>
-                                          </p:stCondLst>
-                                        </p:cTn>
-                                        <p:tgtEl>
-                                          <p:spTgt spid="6">
-                                            <p:txEl>
-                                              <p:pRg st="6" end="6"/>
-                                            </p:txEl>
-                                          </p:spTgt>
-                                        </p:tgtEl>
-                                        <p:attrNameLst>
-                                          <p:attrName>style.visibility</p:attrName>
-                                        </p:attrNameLst>
-                                      </p:cBhvr>
-                                      <p:to>
-                                        <p:strVal val="visible"/>
-                                      </p:to>
-                                    </p:set>
-                                  </p:childTnLst>
-                                </p:cTn>
-                              </p:par>
-                            </p:childTnLst>
-                          </p:cTn>
-                        </p:par>
-                      </p:childTnLst>
-                    </p:cTn>
-                  </p:par>
-                </p:childTnLst>
-              </p:cTn>
-              <p:prevCondLst>
-                <p:cond evt="onPrev" delay="0">
-                  <p:tgtEl>
-                    <p:sldTgt/>
-                  </p:tgtEl>
-                </p:cond>
-              </p:prevCondLst>
-              <p:nextCondLst>
-                <p:cond evt="onNext" delay="0">
-                  <p:tgtEl>
-                    <p:sldTgt/>
-                  </p:tgtEl>
-                </p:cond>
-              </p:nextCondLst>
-            </p:seq>
-          </p:childTnLst>
-        </p:cTn>
-      </p:par>
-    </p:tnLst>
-  </p:timing>
 </p:sld>
 </file>
 
@@ -5081,7 +4715,7 @@
         <p:spPr>
           <a:xfrm>
             <a:off x="275549" y="191702"/>
-            <a:ext cx="4589783" cy="553998"/>
+            <a:ext cx="5601790" cy="553998"/>
           </a:xfrm>
           <a:prstGeom prst="rect">
             <a:avLst/>
@@ -5102,7 +4736,7 @@
                 <a:latin typeface="Times New Roman"/>
                 <a:cs typeface="Times New Roman"/>
               </a:rPr>
-              <a:t>Proposals &amp; Their Review</a:t>
+              <a:t>Undergraduate Research Project</a:t>
             </a:r>
             <a:endParaRPr lang="en-US" sz="2400" b="1" dirty="0">
               <a:solidFill>
@@ -5129,7 +4763,7 @@
         <p:spPr>
           <a:xfrm>
             <a:off x="539603" y="945629"/>
-            <a:ext cx="8269117" cy="4401205"/>
+            <a:ext cx="8375797" cy="3539430"/>
           </a:xfrm>
           <a:prstGeom prst="rect">
             <a:avLst/>
@@ -5152,61 +4786,22 @@
                 <a:ea typeface="MS Mincho" panose="02020609040205080304" pitchFamily="49" charset="-128"/>
                 <a:cs typeface="Times New Roman" panose="02020603050405020304" pitchFamily="18" charset="0"/>
               </a:rPr>
-              <a:t>Proposal (Merriam-Webster): an act of putting forward or stating something for consideration</a:t>
-            </a:r>
-          </a:p>
-          <a:p>
-            <a:endParaRPr lang="en-US" sz="800" dirty="0">
+              <a:t>In less than 3 weeks: abstract &amp; presentation of research project  </a:t>
+            </a:r>
+            <a:r>
+              <a:rPr lang="en-US" sz="2400" dirty="0">
+                <a:latin typeface="Times New Roman" panose="02020603050405020304" pitchFamily="18" charset="0"/>
+                <a:ea typeface="MS Mincho" panose="02020609040205080304" pitchFamily="49" charset="-128"/>
+                <a:cs typeface="Times New Roman" panose="02020603050405020304" pitchFamily="18" charset="0"/>
+                <a:sym typeface="Wingdings" pitchFamily="2" charset="2"/>
+              </a:rPr>
+              <a:t>  few weeks left to establish a research project</a:t>
+            </a:r>
+            <a:endParaRPr lang="en-US" sz="2400" dirty="0">
               <a:latin typeface="Times New Roman" panose="02020603050405020304" pitchFamily="18" charset="0"/>
               <a:ea typeface="MS Mincho" panose="02020609040205080304" pitchFamily="49" charset="-128"/>
               <a:cs typeface="Times New Roman" panose="02020603050405020304" pitchFamily="18" charset="0"/>
             </a:endParaRPr>
-          </a:p>
-          <a:p>
-            <a:pPr marL="342900" indent="-342900">
-              <a:buFont typeface="Arial" panose="020B0604020202020204" pitchFamily="34" charset="0"/>
-              <a:buChar char="•"/>
-            </a:pPr>
-            <a:r>
-              <a:rPr lang="en-US" sz="2400" dirty="0">
-                <a:latin typeface="Times New Roman" panose="02020603050405020304" pitchFamily="18" charset="0"/>
-                <a:ea typeface="MS Mincho" panose="02020609040205080304" pitchFamily="49" charset="-128"/>
-                <a:cs typeface="Times New Roman" panose="02020603050405020304" pitchFamily="18" charset="0"/>
-              </a:rPr>
-              <a:t>Proposal (in this context): request with all information presented in a </a:t>
-            </a:r>
-            <a:r>
-              <a:rPr lang="en-US" sz="2400" b="1" dirty="0">
-                <a:latin typeface="Times New Roman" panose="02020603050405020304" pitchFamily="18" charset="0"/>
-                <a:ea typeface="MS Mincho" panose="02020609040205080304" pitchFamily="49" charset="-128"/>
-                <a:cs typeface="Times New Roman" panose="02020603050405020304" pitchFamily="18" charset="0"/>
-              </a:rPr>
-              <a:t>concise</a:t>
-            </a:r>
-            <a:r>
-              <a:rPr lang="en-US" sz="2400" dirty="0">
-                <a:latin typeface="Times New Roman" panose="02020603050405020304" pitchFamily="18" charset="0"/>
-                <a:ea typeface="MS Mincho" panose="02020609040205080304" pitchFamily="49" charset="-128"/>
-                <a:cs typeface="Times New Roman" panose="02020603050405020304" pitchFamily="18" charset="0"/>
-              </a:rPr>
-              <a:t> and </a:t>
-            </a:r>
-            <a:r>
-              <a:rPr lang="en-US" sz="2400" b="1" dirty="0">
-                <a:latin typeface="Times New Roman" panose="02020603050405020304" pitchFamily="18" charset="0"/>
-                <a:ea typeface="MS Mincho" panose="02020609040205080304" pitchFamily="49" charset="-128"/>
-                <a:cs typeface="Times New Roman" panose="02020603050405020304" pitchFamily="18" charset="0"/>
-              </a:rPr>
-              <a:t>persuasive</a:t>
-            </a:r>
-            <a:r>
-              <a:rPr lang="en-US" sz="2400" dirty="0">
-                <a:latin typeface="Times New Roman" panose="02020603050405020304" pitchFamily="18" charset="0"/>
-                <a:ea typeface="MS Mincho" panose="02020609040205080304" pitchFamily="49" charset="-128"/>
-                <a:cs typeface="Times New Roman" panose="02020603050405020304" pitchFamily="18" charset="0"/>
-              </a:rPr>
-              <a:t> way</a:t>
-            </a:r>
           </a:p>
           <a:p>
             <a:pPr marL="342900" indent="-342900">
@@ -5230,577 +4825,8 @@
                 <a:ea typeface="MS Mincho" panose="02020609040205080304" pitchFamily="49" charset="-128"/>
                 <a:cs typeface="Times New Roman" panose="02020603050405020304" pitchFamily="18" charset="0"/>
               </a:rPr>
-              <a:t>Concise </a:t>
-            </a:r>
-            <a:r>
-              <a:rPr lang="en-US" sz="2400" dirty="0">
-                <a:latin typeface="Times New Roman" panose="02020603050405020304" pitchFamily="18" charset="0"/>
-                <a:ea typeface="MS Mincho" panose="02020609040205080304" pitchFamily="49" charset="-128"/>
-                <a:cs typeface="Times New Roman" panose="02020603050405020304" pitchFamily="18" charset="0"/>
-                <a:sym typeface="Wingdings" pitchFamily="2" charset="2"/>
-              </a:rPr>
-              <a:t> reviewers usually have a lot of proposals to review</a:t>
-            </a:r>
-          </a:p>
-          <a:p>
-            <a:pPr marL="342900" indent="-342900">
-              <a:buFont typeface="Arial" panose="020B0604020202020204" pitchFamily="34" charset="0"/>
-              <a:buChar char="•"/>
-            </a:pPr>
-            <a:endParaRPr lang="en-US" sz="800" dirty="0">
-              <a:latin typeface="Times New Roman" panose="02020603050405020304" pitchFamily="18" charset="0"/>
-              <a:ea typeface="MS Mincho" panose="02020609040205080304" pitchFamily="49" charset="-128"/>
-              <a:cs typeface="Times New Roman" panose="02020603050405020304" pitchFamily="18" charset="0"/>
-              <a:sym typeface="Wingdings" pitchFamily="2" charset="2"/>
-            </a:endParaRPr>
-          </a:p>
-          <a:p>
-            <a:pPr marL="342900" indent="-342900">
-              <a:buFont typeface="Arial" panose="020B0604020202020204" pitchFamily="34" charset="0"/>
-              <a:buChar char="•"/>
-            </a:pPr>
-            <a:r>
-              <a:rPr lang="en-US" sz="2400" dirty="0">
-                <a:latin typeface="Times New Roman" panose="02020603050405020304" pitchFamily="18" charset="0"/>
-                <a:ea typeface="MS Mincho" panose="02020609040205080304" pitchFamily="49" charset="-128"/>
-                <a:cs typeface="Times New Roman" panose="02020603050405020304" pitchFamily="18" charset="0"/>
-                <a:sym typeface="Wingdings" pitchFamily="2" charset="2"/>
-              </a:rPr>
-              <a:t>Persuasive  there is usually a lot of competition</a:t>
-            </a:r>
-          </a:p>
-          <a:p>
-            <a:pPr marL="342900" indent="-342900">
-              <a:buFont typeface="Arial" panose="020B0604020202020204" pitchFamily="34" charset="0"/>
-              <a:buChar char="•"/>
-            </a:pPr>
-            <a:endParaRPr lang="en-US" sz="800" dirty="0">
-              <a:latin typeface="Times New Roman" panose="02020603050405020304" pitchFamily="18" charset="0"/>
-              <a:ea typeface="MS Mincho" panose="02020609040205080304" pitchFamily="49" charset="-128"/>
-              <a:cs typeface="Times New Roman" panose="02020603050405020304" pitchFamily="18" charset="0"/>
-              <a:sym typeface="Wingdings" pitchFamily="2" charset="2"/>
-            </a:endParaRPr>
-          </a:p>
-          <a:p>
-            <a:pPr marL="342900" indent="-342900">
-              <a:buFont typeface="Arial" panose="020B0604020202020204" pitchFamily="34" charset="0"/>
-              <a:buChar char="•"/>
-            </a:pPr>
-            <a:r>
-              <a:rPr lang="en-US" sz="2400" dirty="0">
-                <a:latin typeface="Times New Roman" panose="02020603050405020304" pitchFamily="18" charset="0"/>
-                <a:ea typeface="MS Mincho" panose="02020609040205080304" pitchFamily="49" charset="-128"/>
-                <a:cs typeface="Times New Roman" panose="02020603050405020304" pitchFamily="18" charset="0"/>
-                <a:sym typeface="Wingdings" pitchFamily="2" charset="2"/>
-              </a:rPr>
-              <a:t>Some proposals have deadlines, others are continuing or impromptu  look for the right opportunities</a:t>
-            </a:r>
-          </a:p>
-          <a:p>
-            <a:pPr marL="342900" indent="-342900">
-              <a:buFont typeface="Arial" panose="020B0604020202020204" pitchFamily="34" charset="0"/>
-              <a:buChar char="•"/>
-            </a:pPr>
-            <a:endParaRPr lang="en-US" sz="800" dirty="0">
-              <a:latin typeface="Times New Roman" panose="02020603050405020304" pitchFamily="18" charset="0"/>
-              <a:ea typeface="MS Mincho" panose="02020609040205080304" pitchFamily="49" charset="-128"/>
-              <a:cs typeface="Times New Roman" panose="02020603050405020304" pitchFamily="18" charset="0"/>
-              <a:sym typeface="Wingdings" pitchFamily="2" charset="2"/>
-            </a:endParaRPr>
-          </a:p>
-          <a:p>
-            <a:pPr marL="342900" indent="-342900">
-              <a:buFont typeface="Arial" panose="020B0604020202020204" pitchFamily="34" charset="0"/>
-              <a:buChar char="•"/>
-            </a:pPr>
-            <a:r>
-              <a:rPr lang="en-US" sz="2400" dirty="0">
-                <a:latin typeface="Times New Roman" panose="02020603050405020304" pitchFamily="18" charset="0"/>
-                <a:ea typeface="MS Mincho" panose="02020609040205080304" pitchFamily="49" charset="-128"/>
-                <a:cs typeface="Times New Roman" panose="02020603050405020304" pitchFamily="18" charset="0"/>
-                <a:sym typeface="Wingdings" pitchFamily="2" charset="2"/>
-              </a:rPr>
-              <a:t>Some proposals have one reviewer, others have a panel of reviewers  think about your audience</a:t>
-            </a:r>
-            <a:endParaRPr lang="en-US" sz="2400" dirty="0">
-              <a:latin typeface="Times New Roman" panose="02020603050405020304" pitchFamily="18" charset="0"/>
-              <a:ea typeface="MS Mincho" panose="02020609040205080304" pitchFamily="49" charset="-128"/>
-              <a:cs typeface="Times New Roman" panose="02020603050405020304" pitchFamily="18" charset="0"/>
-            </a:endParaRPr>
-          </a:p>
-        </p:txBody>
-      </p:sp>
-    </p:spTree>
-    <p:extLst>
-      <p:ext uri="{BB962C8B-B14F-4D97-AF65-F5344CB8AC3E}">
-        <p14:creationId xmlns:p14="http://schemas.microsoft.com/office/powerpoint/2010/main" val="2244811790"/>
-      </p:ext>
-    </p:extLst>
-  </p:cSld>
-  <p:clrMapOvr>
-    <a:masterClrMapping/>
-  </p:clrMapOvr>
-  <p:timing>
-    <p:tnLst>
-      <p:par>
-        <p:cTn id="1" dur="indefinite" restart="never" nodeType="tmRoot">
-          <p:childTnLst>
-            <p:seq concurrent="1" nextAc="seek">
-              <p:cTn id="2" dur="indefinite" nodeType="mainSeq">
-                <p:childTnLst>
-                  <p:par>
-                    <p:cTn id="3" fill="hold">
-                      <p:stCondLst>
-                        <p:cond delay="indefinite"/>
-                      </p:stCondLst>
-                      <p:childTnLst>
-                        <p:par>
-                          <p:cTn id="4" fill="hold">
-                            <p:stCondLst>
-                              <p:cond delay="0"/>
-                            </p:stCondLst>
-                            <p:childTnLst>
-                              <p:par>
-                                <p:cTn id="5" presetID="1" presetClass="entr" presetSubtype="0" fill="hold" nodeType="clickEffect">
-                                  <p:stCondLst>
-                                    <p:cond delay="0"/>
-                                  </p:stCondLst>
-                                  <p:childTnLst>
-                                    <p:set>
-                                      <p:cBhvr>
-                                        <p:cTn id="6" dur="1" fill="hold">
-                                          <p:stCondLst>
-                                            <p:cond delay="0"/>
-                                          </p:stCondLst>
-                                        </p:cTn>
-                                        <p:tgtEl>
-                                          <p:spTgt spid="6">
-                                            <p:txEl>
-                                              <p:pRg st="0" end="0"/>
-                                            </p:txEl>
-                                          </p:spTgt>
-                                        </p:tgtEl>
-                                        <p:attrNameLst>
-                                          <p:attrName>style.visibility</p:attrName>
-                                        </p:attrNameLst>
-                                      </p:cBhvr>
-                                      <p:to>
-                                        <p:strVal val="visible"/>
-                                      </p:to>
-                                    </p:set>
-                                  </p:childTnLst>
-                                </p:cTn>
-                              </p:par>
-                            </p:childTnLst>
-                          </p:cTn>
-                        </p:par>
-                      </p:childTnLst>
-                    </p:cTn>
-                  </p:par>
-                  <p:par>
-                    <p:cTn id="7" fill="hold">
-                      <p:stCondLst>
-                        <p:cond delay="indefinite"/>
-                      </p:stCondLst>
-                      <p:childTnLst>
-                        <p:par>
-                          <p:cTn id="8" fill="hold">
-                            <p:stCondLst>
-                              <p:cond delay="0"/>
-                            </p:stCondLst>
-                            <p:childTnLst>
-                              <p:par>
-                                <p:cTn id="9" presetID="1" presetClass="entr" presetSubtype="0" fill="hold" nodeType="clickEffect">
-                                  <p:stCondLst>
-                                    <p:cond delay="0"/>
-                                  </p:stCondLst>
-                                  <p:childTnLst>
-                                    <p:set>
-                                      <p:cBhvr>
-                                        <p:cTn id="10" dur="1" fill="hold">
-                                          <p:stCondLst>
-                                            <p:cond delay="0"/>
-                                          </p:stCondLst>
-                                        </p:cTn>
-                                        <p:tgtEl>
-                                          <p:spTgt spid="6">
-                                            <p:txEl>
-                                              <p:pRg st="2" end="2"/>
-                                            </p:txEl>
-                                          </p:spTgt>
-                                        </p:tgtEl>
-                                        <p:attrNameLst>
-                                          <p:attrName>style.visibility</p:attrName>
-                                        </p:attrNameLst>
-                                      </p:cBhvr>
-                                      <p:to>
-                                        <p:strVal val="visible"/>
-                                      </p:to>
-                                    </p:set>
-                                  </p:childTnLst>
-                                </p:cTn>
-                              </p:par>
-                            </p:childTnLst>
-                          </p:cTn>
-                        </p:par>
-                      </p:childTnLst>
-                    </p:cTn>
-                  </p:par>
-                  <p:par>
-                    <p:cTn id="11" fill="hold">
-                      <p:stCondLst>
-                        <p:cond delay="indefinite"/>
-                      </p:stCondLst>
-                      <p:childTnLst>
-                        <p:par>
-                          <p:cTn id="12" fill="hold">
-                            <p:stCondLst>
-                              <p:cond delay="0"/>
-                            </p:stCondLst>
-                            <p:childTnLst>
-                              <p:par>
-                                <p:cTn id="13" presetID="1" presetClass="entr" presetSubtype="0" fill="hold" nodeType="clickEffect">
-                                  <p:stCondLst>
-                                    <p:cond delay="0"/>
-                                  </p:stCondLst>
-                                  <p:childTnLst>
-                                    <p:set>
-                                      <p:cBhvr>
-                                        <p:cTn id="14" dur="1" fill="hold">
-                                          <p:stCondLst>
-                                            <p:cond delay="0"/>
-                                          </p:stCondLst>
-                                        </p:cTn>
-                                        <p:tgtEl>
-                                          <p:spTgt spid="6">
-                                            <p:txEl>
-                                              <p:pRg st="4" end="4"/>
-                                            </p:txEl>
-                                          </p:spTgt>
-                                        </p:tgtEl>
-                                        <p:attrNameLst>
-                                          <p:attrName>style.visibility</p:attrName>
-                                        </p:attrNameLst>
-                                      </p:cBhvr>
-                                      <p:to>
-                                        <p:strVal val="visible"/>
-                                      </p:to>
-                                    </p:set>
-                                  </p:childTnLst>
-                                </p:cTn>
-                              </p:par>
-                            </p:childTnLst>
-                          </p:cTn>
-                        </p:par>
-                      </p:childTnLst>
-                    </p:cTn>
-                  </p:par>
-                  <p:par>
-                    <p:cTn id="15" fill="hold">
-                      <p:stCondLst>
-                        <p:cond delay="indefinite"/>
-                      </p:stCondLst>
-                      <p:childTnLst>
-                        <p:par>
-                          <p:cTn id="16" fill="hold">
-                            <p:stCondLst>
-                              <p:cond delay="0"/>
-                            </p:stCondLst>
-                            <p:childTnLst>
-                              <p:par>
-                                <p:cTn id="17" presetID="1" presetClass="entr" presetSubtype="0" fill="hold" nodeType="clickEffect">
-                                  <p:stCondLst>
-                                    <p:cond delay="0"/>
-                                  </p:stCondLst>
-                                  <p:childTnLst>
-                                    <p:set>
-                                      <p:cBhvr>
-                                        <p:cTn id="18" dur="1" fill="hold">
-                                          <p:stCondLst>
-                                            <p:cond delay="0"/>
-                                          </p:stCondLst>
-                                        </p:cTn>
-                                        <p:tgtEl>
-                                          <p:spTgt spid="6">
-                                            <p:txEl>
-                                              <p:pRg st="6" end="6"/>
-                                            </p:txEl>
-                                          </p:spTgt>
-                                        </p:tgtEl>
-                                        <p:attrNameLst>
-                                          <p:attrName>style.visibility</p:attrName>
-                                        </p:attrNameLst>
-                                      </p:cBhvr>
-                                      <p:to>
-                                        <p:strVal val="visible"/>
-                                      </p:to>
-                                    </p:set>
-                                  </p:childTnLst>
-                                </p:cTn>
-                              </p:par>
-                            </p:childTnLst>
-                          </p:cTn>
-                        </p:par>
-                      </p:childTnLst>
-                    </p:cTn>
-                  </p:par>
-                  <p:par>
-                    <p:cTn id="19" fill="hold">
-                      <p:stCondLst>
-                        <p:cond delay="indefinite"/>
-                      </p:stCondLst>
-                      <p:childTnLst>
-                        <p:par>
-                          <p:cTn id="20" fill="hold">
-                            <p:stCondLst>
-                              <p:cond delay="0"/>
-                            </p:stCondLst>
-                            <p:childTnLst>
-                              <p:par>
-                                <p:cTn id="21" presetID="1" presetClass="entr" presetSubtype="0" fill="hold" nodeType="clickEffect">
-                                  <p:stCondLst>
-                                    <p:cond delay="0"/>
-                                  </p:stCondLst>
-                                  <p:childTnLst>
-                                    <p:set>
-                                      <p:cBhvr>
-                                        <p:cTn id="22" dur="1" fill="hold">
-                                          <p:stCondLst>
-                                            <p:cond delay="0"/>
-                                          </p:stCondLst>
-                                        </p:cTn>
-                                        <p:tgtEl>
-                                          <p:spTgt spid="6">
-                                            <p:txEl>
-                                              <p:pRg st="8" end="8"/>
-                                            </p:txEl>
-                                          </p:spTgt>
-                                        </p:tgtEl>
-                                        <p:attrNameLst>
-                                          <p:attrName>style.visibility</p:attrName>
-                                        </p:attrNameLst>
-                                      </p:cBhvr>
-                                      <p:to>
-                                        <p:strVal val="visible"/>
-                                      </p:to>
-                                    </p:set>
-                                  </p:childTnLst>
-                                </p:cTn>
-                              </p:par>
-                            </p:childTnLst>
-                          </p:cTn>
-                        </p:par>
-                      </p:childTnLst>
-                    </p:cTn>
-                  </p:par>
-                  <p:par>
-                    <p:cTn id="23" fill="hold">
-                      <p:stCondLst>
-                        <p:cond delay="indefinite"/>
-                      </p:stCondLst>
-                      <p:childTnLst>
-                        <p:par>
-                          <p:cTn id="24" fill="hold">
-                            <p:stCondLst>
-                              <p:cond delay="0"/>
-                            </p:stCondLst>
-                            <p:childTnLst>
-                              <p:par>
-                                <p:cTn id="25" presetID="1" presetClass="entr" presetSubtype="0" fill="hold" nodeType="clickEffect">
-                                  <p:stCondLst>
-                                    <p:cond delay="0"/>
-                                  </p:stCondLst>
-                                  <p:childTnLst>
-                                    <p:set>
-                                      <p:cBhvr>
-                                        <p:cTn id="26" dur="1" fill="hold">
-                                          <p:stCondLst>
-                                            <p:cond delay="0"/>
-                                          </p:stCondLst>
-                                        </p:cTn>
-                                        <p:tgtEl>
-                                          <p:spTgt spid="6">
-                                            <p:txEl>
-                                              <p:pRg st="10" end="10"/>
-                                            </p:txEl>
-                                          </p:spTgt>
-                                        </p:tgtEl>
-                                        <p:attrNameLst>
-                                          <p:attrName>style.visibility</p:attrName>
-                                        </p:attrNameLst>
-                                      </p:cBhvr>
-                                      <p:to>
-                                        <p:strVal val="visible"/>
-                                      </p:to>
-                                    </p:set>
-                                  </p:childTnLst>
-                                </p:cTn>
-                              </p:par>
-                            </p:childTnLst>
-                          </p:cTn>
-                        </p:par>
-                      </p:childTnLst>
-                    </p:cTn>
-                  </p:par>
-                </p:childTnLst>
-              </p:cTn>
-              <p:prevCondLst>
-                <p:cond evt="onPrev" delay="0">
-                  <p:tgtEl>
-                    <p:sldTgt/>
-                  </p:tgtEl>
-                </p:cond>
-              </p:prevCondLst>
-              <p:nextCondLst>
-                <p:cond evt="onNext" delay="0">
-                  <p:tgtEl>
-                    <p:sldTgt/>
-                  </p:tgtEl>
-                </p:cond>
-              </p:nextCondLst>
-            </p:seq>
-          </p:childTnLst>
-        </p:cTn>
-      </p:par>
-    </p:tnLst>
-  </p:timing>
-</p:sld>
-</file>
-
-<file path=ppt/slides/slide6.xml><?xml version="1.0" encoding="utf-8"?>
-<p:sld xmlns:a="http://schemas.openxmlformats.org/drawingml/2006/main" xmlns:r="http://schemas.openxmlformats.org/officeDocument/2006/relationships" xmlns:p="http://schemas.openxmlformats.org/presentationml/2006/main">
-  <p:cSld>
-    <p:spTree>
-      <p:nvGrpSpPr>
-        <p:cNvPr id="1" name=""/>
-        <p:cNvGrpSpPr/>
-        <p:nvPr/>
-      </p:nvGrpSpPr>
-      <p:grpSpPr>
-        <a:xfrm>
-          <a:off x="0" y="0"/>
-          <a:ext cx="0" cy="0"/>
-          <a:chOff x="0" y="0"/>
-          <a:chExt cx="0" cy="0"/>
-        </a:xfrm>
-      </p:grpSpPr>
-      <p:sp>
-        <p:nvSpPr>
-          <p:cNvPr id="4" name="TextBox 3"/>
-          <p:cNvSpPr txBox="1"/>
-          <p:nvPr/>
-        </p:nvSpPr>
-        <p:spPr>
-          <a:xfrm>
-            <a:off x="275549" y="191702"/>
-            <a:ext cx="3388043" cy="553998"/>
-          </a:xfrm>
-          <a:prstGeom prst="rect">
-            <a:avLst/>
-          </a:prstGeom>
-          <a:noFill/>
-        </p:spPr>
-        <p:txBody>
-          <a:bodyPr wrap="none" rtlCol="0">
-            <a:spAutoFit/>
-          </a:bodyPr>
-          <a:lstStyle/>
-          <a:p>
-            <a:r>
-              <a:rPr lang="en-US" sz="3000" b="1" dirty="0">
-                <a:solidFill>
-                  <a:prstClr val="black"/>
-                </a:solidFill>
-                <a:latin typeface="Times New Roman"/>
-                <a:cs typeface="Times New Roman"/>
-              </a:rPr>
-              <a:t>Research Proposals</a:t>
-            </a:r>
-            <a:endParaRPr lang="en-US" sz="2400" b="1" dirty="0">
-              <a:solidFill>
-                <a:prstClr val="black"/>
-              </a:solidFill>
-              <a:latin typeface="Times New Roman"/>
-              <a:cs typeface="Times New Roman"/>
-            </a:endParaRPr>
-          </a:p>
-        </p:txBody>
-      </p:sp>
-      <p:sp>
-        <p:nvSpPr>
-          <p:cNvPr id="6" name="TextBox 5">
-            <a:extLst>
-              <a:ext uri="{FF2B5EF4-FFF2-40B4-BE49-F238E27FC236}">
-                <a16:creationId xmlns:a16="http://schemas.microsoft.com/office/drawing/2014/main" id="{878A97EC-2834-8447-A6B8-2F5335C4C2C1}"/>
-              </a:ext>
-            </a:extLst>
-          </p:cNvPr>
-          <p:cNvSpPr txBox="1"/>
-          <p:nvPr/>
-        </p:nvSpPr>
-        <p:spPr>
-          <a:xfrm>
-            <a:off x="539603" y="945629"/>
-            <a:ext cx="8269117" cy="4893647"/>
-          </a:xfrm>
-          <a:prstGeom prst="rect">
-            <a:avLst/>
-          </a:prstGeom>
-          <a:noFill/>
-        </p:spPr>
-        <p:txBody>
-          <a:bodyPr wrap="square" rtlCol="0">
-            <a:spAutoFit/>
-          </a:bodyPr>
-          <a:lstStyle/>
-          <a:p>
-            <a:pPr marL="342900" indent="-342900">
-              <a:buFont typeface="Arial" panose="020B0604020202020204" pitchFamily="34" charset="0"/>
-              <a:buChar char="•"/>
-            </a:pPr>
-            <a:r>
-              <a:rPr lang="en-US" sz="2400" dirty="0">
-                <a:latin typeface="Times New Roman" panose="02020603050405020304" pitchFamily="18" charset="0"/>
-                <a:ea typeface="MS Mincho" panose="02020609040205080304" pitchFamily="49" charset="-128"/>
-                <a:cs typeface="Times New Roman" panose="02020603050405020304" pitchFamily="18" charset="0"/>
-              </a:rPr>
-              <a:t>Many different types of research proposals</a:t>
-            </a:r>
-          </a:p>
-          <a:p>
-            <a:endParaRPr lang="en-US" sz="800" dirty="0">
-              <a:latin typeface="Times New Roman" panose="02020603050405020304" pitchFamily="18" charset="0"/>
-              <a:ea typeface="MS Mincho" panose="02020609040205080304" pitchFamily="49" charset="-128"/>
-              <a:cs typeface="Times New Roman" panose="02020603050405020304" pitchFamily="18" charset="0"/>
-            </a:endParaRPr>
-          </a:p>
-          <a:p>
-            <a:pPr marL="342900" indent="-342900">
-              <a:buFont typeface="Arial" panose="020B0604020202020204" pitchFamily="34" charset="0"/>
-              <a:buChar char="•"/>
-            </a:pPr>
-            <a:r>
-              <a:rPr lang="en-US" sz="2400" dirty="0">
-                <a:latin typeface="Times New Roman" panose="02020603050405020304" pitchFamily="18" charset="0"/>
-                <a:ea typeface="MS Mincho" panose="02020609040205080304" pitchFamily="49" charset="-128"/>
-                <a:cs typeface="Times New Roman" panose="02020603050405020304" pitchFamily="18" charset="0"/>
-              </a:rPr>
-              <a:t>Success rates can be very low, sometimes only a few percent </a:t>
-            </a:r>
-            <a:r>
-              <a:rPr lang="en-US" sz="2400" dirty="0">
-                <a:latin typeface="Times New Roman" panose="02020603050405020304" pitchFamily="18" charset="0"/>
-                <a:ea typeface="MS Mincho" panose="02020609040205080304" pitchFamily="49" charset="-128"/>
-                <a:cs typeface="Times New Roman" panose="02020603050405020304" pitchFamily="18" charset="0"/>
-                <a:sym typeface="Wingdings" pitchFamily="2" charset="2"/>
-              </a:rPr>
-              <a:t> do not get discouraged, and keep submitting them</a:t>
-            </a:r>
-            <a:endParaRPr lang="en-US" sz="2400" dirty="0">
-              <a:latin typeface="Times New Roman" panose="02020603050405020304" pitchFamily="18" charset="0"/>
-              <a:ea typeface="MS Mincho" panose="02020609040205080304" pitchFamily="49" charset="-128"/>
-              <a:cs typeface="Times New Roman" panose="02020603050405020304" pitchFamily="18" charset="0"/>
-            </a:endParaRPr>
+              <a:t>Project form to be filled out and signed by student and research advisor in less than 3 weeks</a:t>
+            </a:r>
           </a:p>
           <a:p>
             <a:pPr marL="342900" indent="-342900">
@@ -5824,14 +4850,8 @@
                 <a:ea typeface="MS Mincho" panose="02020609040205080304" pitchFamily="49" charset="-128"/>
                 <a:cs typeface="Times New Roman" panose="02020603050405020304" pitchFamily="18" charset="0"/>
               </a:rPr>
-              <a:t>Carefully read a proposal solicitation (sometimes including review criteria) before writing a proposal</a:t>
-            </a:r>
-            <a:endParaRPr lang="en-US" sz="2400" dirty="0">
-              <a:latin typeface="Times New Roman" panose="02020603050405020304" pitchFamily="18" charset="0"/>
-              <a:ea typeface="MS Mincho" panose="02020609040205080304" pitchFamily="49" charset="-128"/>
-              <a:cs typeface="Times New Roman" panose="02020603050405020304" pitchFamily="18" charset="0"/>
-              <a:sym typeface="Wingdings" pitchFamily="2" charset="2"/>
-            </a:endParaRPr>
+              <a:t>No research project yet? Start contacting possible advisors!</a:t>
+            </a:r>
           </a:p>
           <a:p>
             <a:pPr marL="342900" indent="-342900">
@@ -5842,7 +4862,6 @@
               <a:latin typeface="Times New Roman" panose="02020603050405020304" pitchFamily="18" charset="0"/>
               <a:ea typeface="MS Mincho" panose="02020609040205080304" pitchFamily="49" charset="-128"/>
               <a:cs typeface="Times New Roman" panose="02020603050405020304" pitchFamily="18" charset="0"/>
-              <a:sym typeface="Wingdings" pitchFamily="2" charset="2"/>
             </a:endParaRPr>
           </a:p>
           <a:p>
@@ -5855,9 +4874,8 @@
                 <a:latin typeface="Times New Roman" panose="02020603050405020304" pitchFamily="18" charset="0"/>
                 <a:ea typeface="MS Mincho" panose="02020609040205080304" pitchFamily="49" charset="-128"/>
                 <a:cs typeface="Times New Roman" panose="02020603050405020304" pitchFamily="18" charset="0"/>
-                <a:sym typeface="Wingdings" pitchFamily="2" charset="2"/>
               </a:rPr>
-              <a:t>Consider all possible boundary conditions before writing a proposal</a:t>
+              <a:t>Found a research advisor? Start reading on the topic!</a:t>
             </a:r>
           </a:p>
           <a:p>
@@ -5869,7 +4887,6 @@
               <a:latin typeface="Times New Roman" panose="02020603050405020304" pitchFamily="18" charset="0"/>
               <a:ea typeface="MS Mincho" panose="02020609040205080304" pitchFamily="49" charset="-128"/>
               <a:cs typeface="Times New Roman" panose="02020603050405020304" pitchFamily="18" charset="0"/>
-              <a:sym typeface="Wingdings" pitchFamily="2" charset="2"/>
             </a:endParaRPr>
           </a:p>
           <a:p>
@@ -5882,36 +4899,8 @@
                 <a:latin typeface="Times New Roman" panose="02020603050405020304" pitchFamily="18" charset="0"/>
                 <a:ea typeface="MS Mincho" panose="02020609040205080304" pitchFamily="49" charset="-128"/>
                 <a:cs typeface="Times New Roman" panose="02020603050405020304" pitchFamily="18" charset="0"/>
-                <a:sym typeface="Wingdings" pitchFamily="2" charset="2"/>
               </a:rPr>
-              <a:t>Review panels differ between organizations, proposal calls, years/semesters, etc.</a:t>
-            </a:r>
-          </a:p>
-          <a:p>
-            <a:pPr marL="342900" indent="-342900">
-              <a:buFont typeface="Arial" panose="020B0604020202020204" pitchFamily="34" charset="0"/>
-              <a:buChar char="•"/>
-            </a:pPr>
-            <a:endParaRPr lang="en-US" sz="800" dirty="0">
-              <a:latin typeface="Times New Roman" panose="02020603050405020304" pitchFamily="18" charset="0"/>
-              <a:ea typeface="MS Mincho" panose="02020609040205080304" pitchFamily="49" charset="-128"/>
-              <a:cs typeface="Times New Roman" panose="02020603050405020304" pitchFamily="18" charset="0"/>
-              <a:sym typeface="Wingdings" pitchFamily="2" charset="2"/>
-            </a:endParaRPr>
-          </a:p>
-          <a:p>
-            <a:pPr marL="342900" indent="-342900">
-              <a:buFont typeface="Arial" panose="020B0604020202020204" pitchFamily="34" charset="0"/>
-              <a:buChar char="•"/>
-            </a:pPr>
-            <a:r>
-              <a:rPr lang="en-US" sz="2400" dirty="0">
-                <a:latin typeface="Times New Roman" panose="02020603050405020304" pitchFamily="18" charset="0"/>
-                <a:ea typeface="MS Mincho" panose="02020609040205080304" pitchFamily="49" charset="-128"/>
-                <a:cs typeface="Times New Roman" panose="02020603050405020304" pitchFamily="18" charset="0"/>
-                <a:sym typeface="Wingdings" pitchFamily="2" charset="2"/>
-              </a:rPr>
-              <a:t>Critically read the feedback from reviewers, and use it to improve future proposals</a:t>
+              <a:t>Familiar with the topic? Start writing an abstract and preparing a presentation!</a:t>
             </a:r>
           </a:p>
         </p:txBody>
@@ -5919,937 +4908,13 @@
     </p:spTree>
     <p:extLst>
       <p:ext uri="{BB962C8B-B14F-4D97-AF65-F5344CB8AC3E}">
-        <p14:creationId xmlns:p14="http://schemas.microsoft.com/office/powerpoint/2010/main" val="3602054581"/>
+        <p14:creationId xmlns:p14="http://schemas.microsoft.com/office/powerpoint/2010/main" val="3430322774"/>
       </p:ext>
     </p:extLst>
   </p:cSld>
   <p:clrMapOvr>
     <a:masterClrMapping/>
   </p:clrMapOvr>
-  <p:timing>
-    <p:tnLst>
-      <p:par>
-        <p:cTn id="1" dur="indefinite" restart="never" nodeType="tmRoot">
-          <p:childTnLst>
-            <p:seq concurrent="1" nextAc="seek">
-              <p:cTn id="2" dur="indefinite" nodeType="mainSeq">
-                <p:childTnLst>
-                  <p:par>
-                    <p:cTn id="3" fill="hold">
-                      <p:stCondLst>
-                        <p:cond delay="indefinite"/>
-                      </p:stCondLst>
-                      <p:childTnLst>
-                        <p:par>
-                          <p:cTn id="4" fill="hold">
-                            <p:stCondLst>
-                              <p:cond delay="0"/>
-                            </p:stCondLst>
-                            <p:childTnLst>
-                              <p:par>
-                                <p:cTn id="5" presetID="1" presetClass="entr" presetSubtype="0" fill="hold" nodeType="clickEffect">
-                                  <p:stCondLst>
-                                    <p:cond delay="0"/>
-                                  </p:stCondLst>
-                                  <p:childTnLst>
-                                    <p:set>
-                                      <p:cBhvr>
-                                        <p:cTn id="6" dur="1" fill="hold">
-                                          <p:stCondLst>
-                                            <p:cond delay="0"/>
-                                          </p:stCondLst>
-                                        </p:cTn>
-                                        <p:tgtEl>
-                                          <p:spTgt spid="6">
-                                            <p:txEl>
-                                              <p:pRg st="0" end="0"/>
-                                            </p:txEl>
-                                          </p:spTgt>
-                                        </p:tgtEl>
-                                        <p:attrNameLst>
-                                          <p:attrName>style.visibility</p:attrName>
-                                        </p:attrNameLst>
-                                      </p:cBhvr>
-                                      <p:to>
-                                        <p:strVal val="visible"/>
-                                      </p:to>
-                                    </p:set>
-                                  </p:childTnLst>
-                                </p:cTn>
-                              </p:par>
-                            </p:childTnLst>
-                          </p:cTn>
-                        </p:par>
-                      </p:childTnLst>
-                    </p:cTn>
-                  </p:par>
-                  <p:par>
-                    <p:cTn id="7" fill="hold">
-                      <p:stCondLst>
-                        <p:cond delay="indefinite"/>
-                      </p:stCondLst>
-                      <p:childTnLst>
-                        <p:par>
-                          <p:cTn id="8" fill="hold">
-                            <p:stCondLst>
-                              <p:cond delay="0"/>
-                            </p:stCondLst>
-                            <p:childTnLst>
-                              <p:par>
-                                <p:cTn id="9" presetID="1" presetClass="entr" presetSubtype="0" fill="hold" nodeType="clickEffect">
-                                  <p:stCondLst>
-                                    <p:cond delay="0"/>
-                                  </p:stCondLst>
-                                  <p:childTnLst>
-                                    <p:set>
-                                      <p:cBhvr>
-                                        <p:cTn id="10" dur="1" fill="hold">
-                                          <p:stCondLst>
-                                            <p:cond delay="0"/>
-                                          </p:stCondLst>
-                                        </p:cTn>
-                                        <p:tgtEl>
-                                          <p:spTgt spid="6">
-                                            <p:txEl>
-                                              <p:pRg st="2" end="2"/>
-                                            </p:txEl>
-                                          </p:spTgt>
-                                        </p:tgtEl>
-                                        <p:attrNameLst>
-                                          <p:attrName>style.visibility</p:attrName>
-                                        </p:attrNameLst>
-                                      </p:cBhvr>
-                                      <p:to>
-                                        <p:strVal val="visible"/>
-                                      </p:to>
-                                    </p:set>
-                                  </p:childTnLst>
-                                </p:cTn>
-                              </p:par>
-                            </p:childTnLst>
-                          </p:cTn>
-                        </p:par>
-                      </p:childTnLst>
-                    </p:cTn>
-                  </p:par>
-                  <p:par>
-                    <p:cTn id="11" fill="hold">
-                      <p:stCondLst>
-                        <p:cond delay="indefinite"/>
-                      </p:stCondLst>
-                      <p:childTnLst>
-                        <p:par>
-                          <p:cTn id="12" fill="hold">
-                            <p:stCondLst>
-                              <p:cond delay="0"/>
-                            </p:stCondLst>
-                            <p:childTnLst>
-                              <p:par>
-                                <p:cTn id="13" presetID="1" presetClass="entr" presetSubtype="0" fill="hold" nodeType="clickEffect">
-                                  <p:stCondLst>
-                                    <p:cond delay="0"/>
-                                  </p:stCondLst>
-                                  <p:childTnLst>
-                                    <p:set>
-                                      <p:cBhvr>
-                                        <p:cTn id="14" dur="1" fill="hold">
-                                          <p:stCondLst>
-                                            <p:cond delay="0"/>
-                                          </p:stCondLst>
-                                        </p:cTn>
-                                        <p:tgtEl>
-                                          <p:spTgt spid="6">
-                                            <p:txEl>
-                                              <p:pRg st="4" end="4"/>
-                                            </p:txEl>
-                                          </p:spTgt>
-                                        </p:tgtEl>
-                                        <p:attrNameLst>
-                                          <p:attrName>style.visibility</p:attrName>
-                                        </p:attrNameLst>
-                                      </p:cBhvr>
-                                      <p:to>
-                                        <p:strVal val="visible"/>
-                                      </p:to>
-                                    </p:set>
-                                  </p:childTnLst>
-                                </p:cTn>
-                              </p:par>
-                            </p:childTnLst>
-                          </p:cTn>
-                        </p:par>
-                      </p:childTnLst>
-                    </p:cTn>
-                  </p:par>
-                  <p:par>
-                    <p:cTn id="15" fill="hold">
-                      <p:stCondLst>
-                        <p:cond delay="indefinite"/>
-                      </p:stCondLst>
-                      <p:childTnLst>
-                        <p:par>
-                          <p:cTn id="16" fill="hold">
-                            <p:stCondLst>
-                              <p:cond delay="0"/>
-                            </p:stCondLst>
-                            <p:childTnLst>
-                              <p:par>
-                                <p:cTn id="17" presetID="1" presetClass="entr" presetSubtype="0" fill="hold" nodeType="clickEffect">
-                                  <p:stCondLst>
-                                    <p:cond delay="0"/>
-                                  </p:stCondLst>
-                                  <p:childTnLst>
-                                    <p:set>
-                                      <p:cBhvr>
-                                        <p:cTn id="18" dur="1" fill="hold">
-                                          <p:stCondLst>
-                                            <p:cond delay="0"/>
-                                          </p:stCondLst>
-                                        </p:cTn>
-                                        <p:tgtEl>
-                                          <p:spTgt spid="6">
-                                            <p:txEl>
-                                              <p:pRg st="6" end="6"/>
-                                            </p:txEl>
-                                          </p:spTgt>
-                                        </p:tgtEl>
-                                        <p:attrNameLst>
-                                          <p:attrName>style.visibility</p:attrName>
-                                        </p:attrNameLst>
-                                      </p:cBhvr>
-                                      <p:to>
-                                        <p:strVal val="visible"/>
-                                      </p:to>
-                                    </p:set>
-                                  </p:childTnLst>
-                                </p:cTn>
-                              </p:par>
-                            </p:childTnLst>
-                          </p:cTn>
-                        </p:par>
-                      </p:childTnLst>
-                    </p:cTn>
-                  </p:par>
-                  <p:par>
-                    <p:cTn id="19" fill="hold">
-                      <p:stCondLst>
-                        <p:cond delay="indefinite"/>
-                      </p:stCondLst>
-                      <p:childTnLst>
-                        <p:par>
-                          <p:cTn id="20" fill="hold">
-                            <p:stCondLst>
-                              <p:cond delay="0"/>
-                            </p:stCondLst>
-                            <p:childTnLst>
-                              <p:par>
-                                <p:cTn id="21" presetID="1" presetClass="entr" presetSubtype="0" fill="hold" nodeType="clickEffect">
-                                  <p:stCondLst>
-                                    <p:cond delay="0"/>
-                                  </p:stCondLst>
-                                  <p:childTnLst>
-                                    <p:set>
-                                      <p:cBhvr>
-                                        <p:cTn id="22" dur="1" fill="hold">
-                                          <p:stCondLst>
-                                            <p:cond delay="0"/>
-                                          </p:stCondLst>
-                                        </p:cTn>
-                                        <p:tgtEl>
-                                          <p:spTgt spid="6">
-                                            <p:txEl>
-                                              <p:pRg st="8" end="8"/>
-                                            </p:txEl>
-                                          </p:spTgt>
-                                        </p:tgtEl>
-                                        <p:attrNameLst>
-                                          <p:attrName>style.visibility</p:attrName>
-                                        </p:attrNameLst>
-                                      </p:cBhvr>
-                                      <p:to>
-                                        <p:strVal val="visible"/>
-                                      </p:to>
-                                    </p:set>
-                                  </p:childTnLst>
-                                </p:cTn>
-                              </p:par>
-                            </p:childTnLst>
-                          </p:cTn>
-                        </p:par>
-                      </p:childTnLst>
-                    </p:cTn>
-                  </p:par>
-                  <p:par>
-                    <p:cTn id="23" fill="hold">
-                      <p:stCondLst>
-                        <p:cond delay="indefinite"/>
-                      </p:stCondLst>
-                      <p:childTnLst>
-                        <p:par>
-                          <p:cTn id="24" fill="hold">
-                            <p:stCondLst>
-                              <p:cond delay="0"/>
-                            </p:stCondLst>
-                            <p:childTnLst>
-                              <p:par>
-                                <p:cTn id="25" presetID="1" presetClass="entr" presetSubtype="0" fill="hold" nodeType="clickEffect">
-                                  <p:stCondLst>
-                                    <p:cond delay="0"/>
-                                  </p:stCondLst>
-                                  <p:childTnLst>
-                                    <p:set>
-                                      <p:cBhvr>
-                                        <p:cTn id="26" dur="1" fill="hold">
-                                          <p:stCondLst>
-                                            <p:cond delay="0"/>
-                                          </p:stCondLst>
-                                        </p:cTn>
-                                        <p:tgtEl>
-                                          <p:spTgt spid="6">
-                                            <p:txEl>
-                                              <p:pRg st="10" end="10"/>
-                                            </p:txEl>
-                                          </p:spTgt>
-                                        </p:tgtEl>
-                                        <p:attrNameLst>
-                                          <p:attrName>style.visibility</p:attrName>
-                                        </p:attrNameLst>
-                                      </p:cBhvr>
-                                      <p:to>
-                                        <p:strVal val="visible"/>
-                                      </p:to>
-                                    </p:set>
-                                  </p:childTnLst>
-                                </p:cTn>
-                              </p:par>
-                            </p:childTnLst>
-                          </p:cTn>
-                        </p:par>
-                      </p:childTnLst>
-                    </p:cTn>
-                  </p:par>
-                </p:childTnLst>
-              </p:cTn>
-              <p:prevCondLst>
-                <p:cond evt="onPrev" delay="0">
-                  <p:tgtEl>
-                    <p:sldTgt/>
-                  </p:tgtEl>
-                </p:cond>
-              </p:prevCondLst>
-              <p:nextCondLst>
-                <p:cond evt="onNext" delay="0">
-                  <p:tgtEl>
-                    <p:sldTgt/>
-                  </p:tgtEl>
-                </p:cond>
-              </p:nextCondLst>
-            </p:seq>
-          </p:childTnLst>
-        </p:cTn>
-      </p:par>
-    </p:tnLst>
-  </p:timing>
-</p:sld>
-</file>
-
-<file path=ppt/slides/slide7.xml><?xml version="1.0" encoding="utf-8"?>
-<p:sld xmlns:a="http://schemas.openxmlformats.org/drawingml/2006/main" xmlns:r="http://schemas.openxmlformats.org/officeDocument/2006/relationships" xmlns:p="http://schemas.openxmlformats.org/presentationml/2006/main">
-  <p:cSld>
-    <p:spTree>
-      <p:nvGrpSpPr>
-        <p:cNvPr id="1" name=""/>
-        <p:cNvGrpSpPr/>
-        <p:nvPr/>
-      </p:nvGrpSpPr>
-      <p:grpSpPr>
-        <a:xfrm>
-          <a:off x="0" y="0"/>
-          <a:ext cx="0" cy="0"/>
-          <a:chOff x="0" y="0"/>
-          <a:chExt cx="0" cy="0"/>
-        </a:xfrm>
-      </p:grpSpPr>
-      <p:sp>
-        <p:nvSpPr>
-          <p:cNvPr id="4" name="TextBox 3"/>
-          <p:cNvSpPr txBox="1"/>
-          <p:nvPr/>
-        </p:nvSpPr>
-        <p:spPr>
-          <a:xfrm>
-            <a:off x="275549" y="191702"/>
-            <a:ext cx="8005910" cy="553998"/>
-          </a:xfrm>
-          <a:prstGeom prst="rect">
-            <a:avLst/>
-          </a:prstGeom>
-          <a:noFill/>
-        </p:spPr>
-        <p:txBody>
-          <a:bodyPr wrap="none" rtlCol="0">
-            <a:spAutoFit/>
-          </a:bodyPr>
-          <a:lstStyle/>
-          <a:p>
-            <a:r>
-              <a:rPr lang="en-US" sz="3000" b="1" dirty="0">
-                <a:solidFill>
-                  <a:prstClr val="black"/>
-                </a:solidFill>
-                <a:latin typeface="Times New Roman"/>
-                <a:cs typeface="Times New Roman"/>
-              </a:rPr>
-              <a:t>Writing a Proposal Abstract  </a:t>
-            </a:r>
-            <a:r>
-              <a:rPr lang="en-US" sz="2400" dirty="0">
-                <a:solidFill>
-                  <a:prstClr val="black"/>
-                </a:solidFill>
-                <a:latin typeface="Times New Roman"/>
-                <a:cs typeface="Times New Roman"/>
-              </a:rPr>
-              <a:t>(</a:t>
-            </a:r>
-            <a:r>
-              <a:rPr lang="en-US" sz="2400" i="1" dirty="0">
-                <a:solidFill>
-                  <a:prstClr val="black"/>
-                </a:solidFill>
-                <a:latin typeface="Times New Roman"/>
-                <a:cs typeface="Times New Roman"/>
-              </a:rPr>
-              <a:t>In-Class &amp; Homework</a:t>
-            </a:r>
-            <a:r>
-              <a:rPr lang="en-US" sz="2400" dirty="0">
-                <a:solidFill>
-                  <a:prstClr val="black"/>
-                </a:solidFill>
-                <a:latin typeface="Times New Roman"/>
-                <a:cs typeface="Times New Roman"/>
-              </a:rPr>
-              <a:t>)</a:t>
-            </a:r>
-            <a:endParaRPr lang="en-US" sz="2400" b="1" dirty="0">
-              <a:solidFill>
-                <a:prstClr val="black"/>
-              </a:solidFill>
-              <a:latin typeface="Times New Roman"/>
-              <a:cs typeface="Times New Roman"/>
-            </a:endParaRPr>
-          </a:p>
-        </p:txBody>
-      </p:sp>
-      <p:sp>
-        <p:nvSpPr>
-          <p:cNvPr id="6" name="TextBox 5">
-            <a:extLst>
-              <a:ext uri="{FF2B5EF4-FFF2-40B4-BE49-F238E27FC236}">
-                <a16:creationId xmlns:a16="http://schemas.microsoft.com/office/drawing/2014/main" id="{878A97EC-2834-8447-A6B8-2F5335C4C2C1}"/>
-              </a:ext>
-            </a:extLst>
-          </p:cNvPr>
-          <p:cNvSpPr txBox="1"/>
-          <p:nvPr/>
-        </p:nvSpPr>
-        <p:spPr>
-          <a:xfrm>
-            <a:off x="539604" y="945629"/>
-            <a:ext cx="8147196" cy="5816977"/>
-          </a:xfrm>
-          <a:prstGeom prst="rect">
-            <a:avLst/>
-          </a:prstGeom>
-          <a:noFill/>
-        </p:spPr>
-        <p:txBody>
-          <a:bodyPr wrap="square" rtlCol="0">
-            <a:spAutoFit/>
-          </a:bodyPr>
-          <a:lstStyle/>
-          <a:p>
-            <a:pPr marL="342900" marR="0" lvl="0" indent="-342900">
-              <a:spcBef>
-                <a:spcPts val="0"/>
-              </a:spcBef>
-              <a:spcAft>
-                <a:spcPts val="0"/>
-              </a:spcAft>
-              <a:buFont typeface="Arial" panose="020B0604020202020204" pitchFamily="34" charset="0"/>
-              <a:buChar char="•"/>
-            </a:pPr>
-            <a:r>
-              <a:rPr lang="en-US" sz="2400" dirty="0">
-                <a:latin typeface="Times New Roman" panose="02020603050405020304" pitchFamily="18" charset="0"/>
-                <a:ea typeface="MS Mincho" panose="02020609040205080304" pitchFamily="49" charset="-128"/>
-                <a:cs typeface="Times New Roman" panose="02020603050405020304" pitchFamily="18" charset="0"/>
-              </a:rPr>
-              <a:t>Every student picks something they would like to propose for (funding, research time, etc.), related to their research area</a:t>
-            </a:r>
-          </a:p>
-          <a:p>
-            <a:pPr marL="342900" indent="-342900">
-              <a:buFont typeface="Arial" panose="020B0604020202020204" pitchFamily="34" charset="0"/>
-              <a:buChar char="•"/>
-            </a:pPr>
-            <a:endParaRPr lang="en-US" sz="1200" dirty="0">
-              <a:latin typeface="Times New Roman" panose="02020603050405020304" pitchFamily="18" charset="0"/>
-              <a:ea typeface="MS Mincho" panose="02020609040205080304" pitchFamily="49" charset="-128"/>
-              <a:cs typeface="Times New Roman" panose="02020603050405020304" pitchFamily="18" charset="0"/>
-            </a:endParaRPr>
-          </a:p>
-          <a:p>
-            <a:pPr marL="342900" indent="-342900">
-              <a:buFont typeface="Arial" panose="020B0604020202020204" pitchFamily="34" charset="0"/>
-              <a:buChar char="•"/>
-            </a:pPr>
-            <a:r>
-              <a:rPr lang="en-US" sz="2400" dirty="0">
-                <a:latin typeface="Times New Roman" panose="02020603050405020304" pitchFamily="18" charset="0"/>
-                <a:ea typeface="MS Mincho" panose="02020609040205080304" pitchFamily="49" charset="-128"/>
-                <a:cs typeface="Times New Roman" panose="02020603050405020304" pitchFamily="18" charset="0"/>
-              </a:rPr>
-              <a:t>Every student writes an abstract for a proposal, including an appealing title; maximum of 150 words for the abstract </a:t>
-            </a:r>
-          </a:p>
-          <a:p>
-            <a:pPr marL="342900" indent="-342900">
-              <a:buFont typeface="Arial" panose="020B0604020202020204" pitchFamily="34" charset="0"/>
-              <a:buChar char="•"/>
-            </a:pPr>
-            <a:endParaRPr lang="en-US" sz="1200" dirty="0">
-              <a:latin typeface="Times New Roman" panose="02020603050405020304" pitchFamily="18" charset="0"/>
-              <a:ea typeface="MS Mincho" panose="02020609040205080304" pitchFamily="49" charset="-128"/>
-              <a:cs typeface="Times New Roman" panose="02020603050405020304" pitchFamily="18" charset="0"/>
-            </a:endParaRPr>
-          </a:p>
-          <a:p>
-            <a:pPr marL="342900" indent="-342900">
-              <a:buFont typeface="Arial" panose="020B0604020202020204" pitchFamily="34" charset="0"/>
-              <a:buChar char="•"/>
-            </a:pPr>
-            <a:r>
-              <a:rPr lang="en-US" sz="2400" dirty="0">
-                <a:latin typeface="Times New Roman" panose="02020603050405020304" pitchFamily="18" charset="0"/>
-                <a:ea typeface="MS Mincho" panose="02020609040205080304" pitchFamily="49" charset="-128"/>
-                <a:cs typeface="Times New Roman" panose="02020603050405020304" pitchFamily="18" charset="0"/>
-              </a:rPr>
-              <a:t>The abstract should be submitted in editable format; and it should clearly state which organization this proposal is for</a:t>
-            </a:r>
-          </a:p>
-          <a:p>
-            <a:pPr marL="342900" indent="-342900">
-              <a:buFont typeface="Arial" panose="020B0604020202020204" pitchFamily="34" charset="0"/>
-              <a:buChar char="•"/>
-            </a:pPr>
-            <a:endParaRPr lang="en-US" sz="1200" dirty="0">
-              <a:latin typeface="Times New Roman" panose="02020603050405020304" pitchFamily="18" charset="0"/>
-              <a:ea typeface="MS Mincho" panose="02020609040205080304" pitchFamily="49" charset="-128"/>
-              <a:cs typeface="Times New Roman" panose="02020603050405020304" pitchFamily="18" charset="0"/>
-            </a:endParaRPr>
-          </a:p>
-          <a:p>
-            <a:pPr marL="342900" indent="-342900">
-              <a:buFont typeface="Arial" panose="020B0604020202020204" pitchFamily="34" charset="0"/>
-              <a:buChar char="•"/>
-            </a:pPr>
-            <a:r>
-              <a:rPr lang="en-US" sz="2400" dirty="0">
-                <a:latin typeface="Times New Roman" panose="02020603050405020304" pitchFamily="18" charset="0"/>
-                <a:ea typeface="MS Mincho" panose="02020609040205080304" pitchFamily="49" charset="-128"/>
-                <a:cs typeface="Times New Roman" panose="02020603050405020304" pitchFamily="18" charset="0"/>
-              </a:rPr>
-              <a:t>There will be opportunity to work on the abstract in class this Thursday</a:t>
-            </a:r>
-          </a:p>
-          <a:p>
-            <a:pPr marL="342900" indent="-342900">
-              <a:buFont typeface="Arial" panose="020B0604020202020204" pitchFamily="34" charset="0"/>
-              <a:buChar char="•"/>
-            </a:pPr>
-            <a:endParaRPr lang="en-US" sz="1200" dirty="0">
-              <a:latin typeface="Times New Roman" panose="02020603050405020304" pitchFamily="18" charset="0"/>
-              <a:ea typeface="MS Mincho" panose="02020609040205080304" pitchFamily="49" charset="-128"/>
-              <a:cs typeface="Times New Roman" panose="02020603050405020304" pitchFamily="18" charset="0"/>
-            </a:endParaRPr>
-          </a:p>
-          <a:p>
-            <a:pPr marL="342900" indent="-342900">
-              <a:buFont typeface="Arial" panose="020B0604020202020204" pitchFamily="34" charset="0"/>
-              <a:buChar char="•"/>
-            </a:pPr>
-            <a:r>
-              <a:rPr lang="en-US" sz="2400" dirty="0">
-                <a:latin typeface="Times New Roman" panose="02020603050405020304" pitchFamily="18" charset="0"/>
-                <a:ea typeface="MS Mincho" panose="02020609040205080304" pitchFamily="49" charset="-128"/>
-                <a:cs typeface="Times New Roman" panose="02020603050405020304" pitchFamily="18" charset="0"/>
-              </a:rPr>
-              <a:t>The abstract should be submitted via e-mail to the instructor by the end of this week</a:t>
-            </a:r>
-          </a:p>
-          <a:p>
-            <a:pPr marL="342900" indent="-342900">
-              <a:buFont typeface="Arial" panose="020B0604020202020204" pitchFamily="34" charset="0"/>
-              <a:buChar char="•"/>
-            </a:pPr>
-            <a:endParaRPr lang="en-US" sz="1200" dirty="0">
-              <a:latin typeface="Times New Roman" panose="02020603050405020304" pitchFamily="18" charset="0"/>
-              <a:ea typeface="MS Mincho" panose="02020609040205080304" pitchFamily="49" charset="-128"/>
-              <a:cs typeface="Times New Roman" panose="02020603050405020304" pitchFamily="18" charset="0"/>
-            </a:endParaRPr>
-          </a:p>
-          <a:p>
-            <a:pPr marL="342900" indent="-342900">
-              <a:buFont typeface="Arial" panose="020B0604020202020204" pitchFamily="34" charset="0"/>
-              <a:buChar char="•"/>
-            </a:pPr>
-            <a:r>
-              <a:rPr lang="en-US" sz="2400" dirty="0">
-                <a:latin typeface="Times New Roman" panose="02020603050405020304" pitchFamily="18" charset="0"/>
-                <a:ea typeface="MS Mincho" panose="02020609040205080304" pitchFamily="49" charset="-128"/>
-                <a:cs typeface="Times New Roman" panose="02020603050405020304" pitchFamily="18" charset="0"/>
-              </a:rPr>
-              <a:t>The instructor will anonymize all abstracts and send them around, so everybody can read the proposals for next week’s classes in which we will have mock panel reviews</a:t>
-            </a:r>
-          </a:p>
-        </p:txBody>
-      </p:sp>
-    </p:spTree>
-    <p:extLst>
-      <p:ext uri="{BB962C8B-B14F-4D97-AF65-F5344CB8AC3E}">
-        <p14:creationId xmlns:p14="http://schemas.microsoft.com/office/powerpoint/2010/main" val="3739553131"/>
-      </p:ext>
-    </p:extLst>
-  </p:cSld>
-  <p:clrMapOvr>
-    <a:masterClrMapping/>
-  </p:clrMapOvr>
-  <p:timing>
-    <p:tnLst>
-      <p:par>
-        <p:cTn id="1" dur="indefinite" restart="never" nodeType="tmRoot">
-          <p:childTnLst>
-            <p:seq concurrent="1" nextAc="seek">
-              <p:cTn id="2" dur="indefinite" nodeType="mainSeq">
-                <p:childTnLst>
-                  <p:par>
-                    <p:cTn id="3" fill="hold">
-                      <p:stCondLst>
-                        <p:cond delay="indefinite"/>
-                      </p:stCondLst>
-                      <p:childTnLst>
-                        <p:par>
-                          <p:cTn id="4" fill="hold">
-                            <p:stCondLst>
-                              <p:cond delay="0"/>
-                            </p:stCondLst>
-                            <p:childTnLst>
-                              <p:par>
-                                <p:cTn id="5" presetID="1" presetClass="entr" presetSubtype="0" fill="hold" nodeType="clickEffect">
-                                  <p:stCondLst>
-                                    <p:cond delay="0"/>
-                                  </p:stCondLst>
-                                  <p:childTnLst>
-                                    <p:set>
-                                      <p:cBhvr>
-                                        <p:cTn id="6" dur="1" fill="hold">
-                                          <p:stCondLst>
-                                            <p:cond delay="0"/>
-                                          </p:stCondLst>
-                                        </p:cTn>
-                                        <p:tgtEl>
-                                          <p:spTgt spid="6">
-                                            <p:txEl>
-                                              <p:pRg st="0" end="0"/>
-                                            </p:txEl>
-                                          </p:spTgt>
-                                        </p:tgtEl>
-                                        <p:attrNameLst>
-                                          <p:attrName>style.visibility</p:attrName>
-                                        </p:attrNameLst>
-                                      </p:cBhvr>
-                                      <p:to>
-                                        <p:strVal val="visible"/>
-                                      </p:to>
-                                    </p:set>
-                                  </p:childTnLst>
-                                </p:cTn>
-                              </p:par>
-                            </p:childTnLst>
-                          </p:cTn>
-                        </p:par>
-                      </p:childTnLst>
-                    </p:cTn>
-                  </p:par>
-                  <p:par>
-                    <p:cTn id="7" fill="hold">
-                      <p:stCondLst>
-                        <p:cond delay="indefinite"/>
-                      </p:stCondLst>
-                      <p:childTnLst>
-                        <p:par>
-                          <p:cTn id="8" fill="hold">
-                            <p:stCondLst>
-                              <p:cond delay="0"/>
-                            </p:stCondLst>
-                            <p:childTnLst>
-                              <p:par>
-                                <p:cTn id="9" presetID="1" presetClass="entr" presetSubtype="0" fill="hold" nodeType="clickEffect">
-                                  <p:stCondLst>
-                                    <p:cond delay="0"/>
-                                  </p:stCondLst>
-                                  <p:childTnLst>
-                                    <p:set>
-                                      <p:cBhvr>
-                                        <p:cTn id="10" dur="1" fill="hold">
-                                          <p:stCondLst>
-                                            <p:cond delay="0"/>
-                                          </p:stCondLst>
-                                        </p:cTn>
-                                        <p:tgtEl>
-                                          <p:spTgt spid="6">
-                                            <p:txEl>
-                                              <p:pRg st="2" end="2"/>
-                                            </p:txEl>
-                                          </p:spTgt>
-                                        </p:tgtEl>
-                                        <p:attrNameLst>
-                                          <p:attrName>style.visibility</p:attrName>
-                                        </p:attrNameLst>
-                                      </p:cBhvr>
-                                      <p:to>
-                                        <p:strVal val="visible"/>
-                                      </p:to>
-                                    </p:set>
-                                  </p:childTnLst>
-                                </p:cTn>
-                              </p:par>
-                            </p:childTnLst>
-                          </p:cTn>
-                        </p:par>
-                      </p:childTnLst>
-                    </p:cTn>
-                  </p:par>
-                  <p:par>
-                    <p:cTn id="11" fill="hold">
-                      <p:stCondLst>
-                        <p:cond delay="indefinite"/>
-                      </p:stCondLst>
-                      <p:childTnLst>
-                        <p:par>
-                          <p:cTn id="12" fill="hold">
-                            <p:stCondLst>
-                              <p:cond delay="0"/>
-                            </p:stCondLst>
-                            <p:childTnLst>
-                              <p:par>
-                                <p:cTn id="13" presetID="1" presetClass="entr" presetSubtype="0" fill="hold" nodeType="clickEffect">
-                                  <p:stCondLst>
-                                    <p:cond delay="0"/>
-                                  </p:stCondLst>
-                                  <p:childTnLst>
-                                    <p:set>
-                                      <p:cBhvr>
-                                        <p:cTn id="14" dur="1" fill="hold">
-                                          <p:stCondLst>
-                                            <p:cond delay="0"/>
-                                          </p:stCondLst>
-                                        </p:cTn>
-                                        <p:tgtEl>
-                                          <p:spTgt spid="6">
-                                            <p:txEl>
-                                              <p:pRg st="4" end="4"/>
-                                            </p:txEl>
-                                          </p:spTgt>
-                                        </p:tgtEl>
-                                        <p:attrNameLst>
-                                          <p:attrName>style.visibility</p:attrName>
-                                        </p:attrNameLst>
-                                      </p:cBhvr>
-                                      <p:to>
-                                        <p:strVal val="visible"/>
-                                      </p:to>
-                                    </p:set>
-                                  </p:childTnLst>
-                                </p:cTn>
-                              </p:par>
-                            </p:childTnLst>
-                          </p:cTn>
-                        </p:par>
-                      </p:childTnLst>
-                    </p:cTn>
-                  </p:par>
-                  <p:par>
-                    <p:cTn id="15" fill="hold">
-                      <p:stCondLst>
-                        <p:cond delay="indefinite"/>
-                      </p:stCondLst>
-                      <p:childTnLst>
-                        <p:par>
-                          <p:cTn id="16" fill="hold">
-                            <p:stCondLst>
-                              <p:cond delay="0"/>
-                            </p:stCondLst>
-                            <p:childTnLst>
-                              <p:par>
-                                <p:cTn id="17" presetID="1" presetClass="entr" presetSubtype="0" fill="hold" nodeType="clickEffect">
-                                  <p:stCondLst>
-                                    <p:cond delay="0"/>
-                                  </p:stCondLst>
-                                  <p:childTnLst>
-                                    <p:set>
-                                      <p:cBhvr>
-                                        <p:cTn id="18" dur="1" fill="hold">
-                                          <p:stCondLst>
-                                            <p:cond delay="0"/>
-                                          </p:stCondLst>
-                                        </p:cTn>
-                                        <p:tgtEl>
-                                          <p:spTgt spid="6">
-                                            <p:txEl>
-                                              <p:pRg st="6" end="6"/>
-                                            </p:txEl>
-                                          </p:spTgt>
-                                        </p:tgtEl>
-                                        <p:attrNameLst>
-                                          <p:attrName>style.visibility</p:attrName>
-                                        </p:attrNameLst>
-                                      </p:cBhvr>
-                                      <p:to>
-                                        <p:strVal val="visible"/>
-                                      </p:to>
-                                    </p:set>
-                                  </p:childTnLst>
-                                </p:cTn>
-                              </p:par>
-                            </p:childTnLst>
-                          </p:cTn>
-                        </p:par>
-                      </p:childTnLst>
-                    </p:cTn>
-                  </p:par>
-                  <p:par>
-                    <p:cTn id="19" fill="hold">
-                      <p:stCondLst>
-                        <p:cond delay="indefinite"/>
-                      </p:stCondLst>
-                      <p:childTnLst>
-                        <p:par>
-                          <p:cTn id="20" fill="hold">
-                            <p:stCondLst>
-                              <p:cond delay="0"/>
-                            </p:stCondLst>
-                            <p:childTnLst>
-                              <p:par>
-                                <p:cTn id="21" presetID="1" presetClass="entr" presetSubtype="0" fill="hold" nodeType="clickEffect">
-                                  <p:stCondLst>
-                                    <p:cond delay="0"/>
-                                  </p:stCondLst>
-                                  <p:childTnLst>
-                                    <p:set>
-                                      <p:cBhvr>
-                                        <p:cTn id="22" dur="1" fill="hold">
-                                          <p:stCondLst>
-                                            <p:cond delay="0"/>
-                                          </p:stCondLst>
-                                        </p:cTn>
-                                        <p:tgtEl>
-                                          <p:spTgt spid="6">
-                                            <p:txEl>
-                                              <p:pRg st="8" end="8"/>
-                                            </p:txEl>
-                                          </p:spTgt>
-                                        </p:tgtEl>
-                                        <p:attrNameLst>
-                                          <p:attrName>style.visibility</p:attrName>
-                                        </p:attrNameLst>
-                                      </p:cBhvr>
-                                      <p:to>
-                                        <p:strVal val="visible"/>
-                                      </p:to>
-                                    </p:set>
-                                  </p:childTnLst>
-                                </p:cTn>
-                              </p:par>
-                            </p:childTnLst>
-                          </p:cTn>
-                        </p:par>
-                      </p:childTnLst>
-                    </p:cTn>
-                  </p:par>
-                  <p:par>
-                    <p:cTn id="23" fill="hold">
-                      <p:stCondLst>
-                        <p:cond delay="indefinite"/>
-                      </p:stCondLst>
-                      <p:childTnLst>
-                        <p:par>
-                          <p:cTn id="24" fill="hold">
-                            <p:stCondLst>
-                              <p:cond delay="0"/>
-                            </p:stCondLst>
-                            <p:childTnLst>
-                              <p:par>
-                                <p:cTn id="25" presetID="1" presetClass="entr" presetSubtype="0" fill="hold" nodeType="clickEffect">
-                                  <p:stCondLst>
-                                    <p:cond delay="0"/>
-                                  </p:stCondLst>
-                                  <p:childTnLst>
-                                    <p:set>
-                                      <p:cBhvr>
-                                        <p:cTn id="26" dur="1" fill="hold">
-                                          <p:stCondLst>
-                                            <p:cond delay="0"/>
-                                          </p:stCondLst>
-                                        </p:cTn>
-                                        <p:tgtEl>
-                                          <p:spTgt spid="6">
-                                            <p:txEl>
-                                              <p:pRg st="10" end="10"/>
-                                            </p:txEl>
-                                          </p:spTgt>
-                                        </p:tgtEl>
-                                        <p:attrNameLst>
-                                          <p:attrName>style.visibility</p:attrName>
-                                        </p:attrNameLst>
-                                      </p:cBhvr>
-                                      <p:to>
-                                        <p:strVal val="visible"/>
-                                      </p:to>
-                                    </p:set>
-                                  </p:childTnLst>
-                                </p:cTn>
-                              </p:par>
-                            </p:childTnLst>
-                          </p:cTn>
-                        </p:par>
-                      </p:childTnLst>
-                    </p:cTn>
-                  </p:par>
-                </p:childTnLst>
-              </p:cTn>
-              <p:prevCondLst>
-                <p:cond evt="onPrev" delay="0">
-                  <p:tgtEl>
-                    <p:sldTgt/>
-                  </p:tgtEl>
-                </p:cond>
-              </p:prevCondLst>
-              <p:nextCondLst>
-                <p:cond evt="onNext" delay="0">
-                  <p:tgtEl>
-                    <p:sldTgt/>
-                  </p:tgtEl>
-                </p:cond>
-              </p:nextCondLst>
-            </p:seq>
-          </p:childTnLst>
-        </p:cTn>
-      </p:par>
-    </p:tnLst>
-  </p:timing>
 </p:sld>
 </file>
 

--- a/Slides/Class20.pptx
+++ b/Slides/Class20.pptx
@@ -229,7 +229,7 @@
           <a:p>
             <a:fld id="{C24322AF-E05B-7249-906C-FBAC6154C037}" type="datetimeFigureOut">
               <a:rPr lang="en-US" smtClean="0"/>
-              <a:t>1/24/21</a:t>
+              <a:t>6/18/25</a:t>
             </a:fld>
             <a:endParaRPr lang="en-US"/>
           </a:p>
@@ -395,7 +395,7 @@
             <a:fld id="{06A43BE5-3BD4-F642-8751-88A31D8D6D13}" type="datetimeFigureOut">
               <a:rPr lang="en-US" smtClean="0"/>
               <a:pPr/>
-              <a:t>1/24/21</a:t>
+              <a:t>6/18/25</a:t>
             </a:fld>
             <a:endParaRPr lang="en-US"/>
           </a:p>
@@ -938,7 +938,7 @@
             <a:fld id="{A4FA2B0E-4818-9849-9CF1-1031FD4E1DAB}" type="datetimeFigureOut">
               <a:rPr lang="en-US" smtClean="0"/>
               <a:pPr/>
-              <a:t>1/24/21</a:t>
+              <a:t>6/18/25</a:t>
             </a:fld>
             <a:endParaRPr lang="en-US"/>
           </a:p>
@@ -1103,7 +1103,7 @@
             <a:fld id="{A4FA2B0E-4818-9849-9CF1-1031FD4E1DAB}" type="datetimeFigureOut">
               <a:rPr lang="en-US" smtClean="0"/>
               <a:pPr/>
-              <a:t>1/24/21</a:t>
+              <a:t>6/18/25</a:t>
             </a:fld>
             <a:endParaRPr lang="en-US"/>
           </a:p>
@@ -1278,7 +1278,7 @@
             <a:fld id="{A4FA2B0E-4818-9849-9CF1-1031FD4E1DAB}" type="datetimeFigureOut">
               <a:rPr lang="en-US" smtClean="0"/>
               <a:pPr/>
-              <a:t>1/24/21</a:t>
+              <a:t>6/18/25</a:t>
             </a:fld>
             <a:endParaRPr lang="en-US"/>
           </a:p>
@@ -1443,7 +1443,7 @@
             <a:fld id="{A4FA2B0E-4818-9849-9CF1-1031FD4E1DAB}" type="datetimeFigureOut">
               <a:rPr lang="en-US" smtClean="0"/>
               <a:pPr/>
-              <a:t>1/24/21</a:t>
+              <a:t>6/18/25</a:t>
             </a:fld>
             <a:endParaRPr lang="en-US"/>
           </a:p>
@@ -1685,7 +1685,7 @@
             <a:fld id="{A4FA2B0E-4818-9849-9CF1-1031FD4E1DAB}" type="datetimeFigureOut">
               <a:rPr lang="en-US" smtClean="0"/>
               <a:pPr/>
-              <a:t>1/24/21</a:t>
+              <a:t>6/18/25</a:t>
             </a:fld>
             <a:endParaRPr lang="en-US"/>
           </a:p>
@@ -1967,7 +1967,7 @@
             <a:fld id="{A4FA2B0E-4818-9849-9CF1-1031FD4E1DAB}" type="datetimeFigureOut">
               <a:rPr lang="en-US" smtClean="0"/>
               <a:pPr/>
-              <a:t>1/24/21</a:t>
+              <a:t>6/18/25</a:t>
             </a:fld>
             <a:endParaRPr lang="en-US"/>
           </a:p>
@@ -2383,7 +2383,7 @@
             <a:fld id="{A4FA2B0E-4818-9849-9CF1-1031FD4E1DAB}" type="datetimeFigureOut">
               <a:rPr lang="en-US" smtClean="0"/>
               <a:pPr/>
-              <a:t>1/24/21</a:t>
+              <a:t>6/18/25</a:t>
             </a:fld>
             <a:endParaRPr lang="en-US"/>
           </a:p>
@@ -2497,7 +2497,7 @@
             <a:fld id="{A4FA2B0E-4818-9849-9CF1-1031FD4E1DAB}" type="datetimeFigureOut">
               <a:rPr lang="en-US" smtClean="0"/>
               <a:pPr/>
-              <a:t>1/24/21</a:t>
+              <a:t>6/18/25</a:t>
             </a:fld>
             <a:endParaRPr lang="en-US"/>
           </a:p>
@@ -2589,7 +2589,7 @@
             <a:fld id="{A4FA2B0E-4818-9849-9CF1-1031FD4E1DAB}" type="datetimeFigureOut">
               <a:rPr lang="en-US" smtClean="0"/>
               <a:pPr/>
-              <a:t>1/24/21</a:t>
+              <a:t>6/18/25</a:t>
             </a:fld>
             <a:endParaRPr lang="en-US"/>
           </a:p>
@@ -2861,7 +2861,7 @@
             <a:fld id="{A4FA2B0E-4818-9849-9CF1-1031FD4E1DAB}" type="datetimeFigureOut">
               <a:rPr lang="en-US" smtClean="0"/>
               <a:pPr/>
-              <a:t>1/24/21</a:t>
+              <a:t>6/18/25</a:t>
             </a:fld>
             <a:endParaRPr lang="en-US"/>
           </a:p>
@@ -3110,7 +3110,7 @@
             <a:fld id="{A4FA2B0E-4818-9849-9CF1-1031FD4E1DAB}" type="datetimeFigureOut">
               <a:rPr lang="en-US" smtClean="0"/>
               <a:pPr/>
-              <a:t>1/24/21</a:t>
+              <a:t>6/18/25</a:t>
             </a:fld>
             <a:endParaRPr lang="en-US"/>
           </a:p>
@@ -3318,7 +3318,7 @@
             <a:fld id="{A4FA2B0E-4818-9849-9CF1-1031FD4E1DAB}" type="datetimeFigureOut">
               <a:rPr lang="en-US" smtClean="0"/>
               <a:pPr/>
-              <a:t>1/24/21</a:t>
+              <a:t>6/18/25</a:t>
             </a:fld>
             <a:endParaRPr lang="en-US"/>
           </a:p>
